--- a/pitch.pptx
+++ b/pitch.pptx
@@ -4,13 +4,16 @@
   <p:sldMasterIdLst>
     <p:sldMasterId id="2147483648" r:id="rId1"/>
   </p:sldMasterIdLst>
+  <p:notesMasterIdLst>
+    <p:notesMasterId r:id="rId8"/>
+  </p:notesMasterIdLst>
   <p:sldIdLst>
     <p:sldId id="256" r:id="rId2"/>
     <p:sldId id="257" r:id="rId3"/>
     <p:sldId id="258" r:id="rId4"/>
-    <p:sldId id="259" r:id="rId5"/>
-    <p:sldId id="260" r:id="rId6"/>
-    <p:sldId id="261" r:id="rId7"/>
+    <p:sldId id="260" r:id="rId5"/>
+    <p:sldId id="261" r:id="rId6"/>
+    <p:sldId id="262" r:id="rId7"/>
   </p:sldIdLst>
   <p:sldSz cx="12192000" cy="6858000"/>
   <p:notesSz cx="6858000" cy="9144000"/>
@@ -117,6 +120,996 @@
 </p:presentation>
 </file>
 
+<file path=ppt/revisionInfo.xml><?xml version="1.0" encoding="utf-8"?>
+<p1510:revInfo xmlns:a="http://schemas.openxmlformats.org/drawingml/2006/main" xmlns:r="http://schemas.openxmlformats.org/officeDocument/2006/relationships" xmlns:p1510="http://schemas.microsoft.com/office/powerpoint/2015/10/main">
+  <p1510:revLst>
+    <p1510:client id="{525670F7-79B3-4993-BABF-6FBEA1534C04}" v="3" dt="2020-01-14T19:53:45.947"/>
+  </p1510:revLst>
+</p1510:revInfo>
+</file>
+
+<file path=ppt/changesInfos/changesInfo1.xml><?xml version="1.0" encoding="utf-8"?>
+<pc:chgInfo xmlns:a="http://schemas.openxmlformats.org/drawingml/2006/main" xmlns:r="http://schemas.openxmlformats.org/officeDocument/2006/relationships" xmlns:ac="http://schemas.microsoft.com/office/drawing/2013/main/command" xmlns:pc="http://schemas.microsoft.com/office/powerpoint/2013/main/command">
+  <pc:docChgLst>
+    <pc:chgData name="Luuk de Kinderen" userId="bc3234e22335a11f" providerId="LiveId" clId="{525670F7-79B3-4993-BABF-6FBEA1534C04}"/>
+    <pc:docChg chg="custSel addSld modSld">
+      <pc:chgData name="Luuk de Kinderen" userId="bc3234e22335a11f" providerId="LiveId" clId="{525670F7-79B3-4993-BABF-6FBEA1534C04}" dt="2020-01-14T19:53:47.313" v="519" actId="20577"/>
+      <pc:docMkLst>
+        <pc:docMk/>
+      </pc:docMkLst>
+      <pc:sldChg chg="modNotesTx">
+        <pc:chgData name="Luuk de Kinderen" userId="bc3234e22335a11f" providerId="LiveId" clId="{525670F7-79B3-4993-BABF-6FBEA1534C04}" dt="2020-01-14T19:41:59.864" v="300" actId="20577"/>
+        <pc:sldMkLst>
+          <pc:docMk/>
+          <pc:sldMk cId="1497272918" sldId="256"/>
+        </pc:sldMkLst>
+      </pc:sldChg>
+      <pc:sldChg chg="modSp modNotesTx">
+        <pc:chgData name="Luuk de Kinderen" userId="bc3234e22335a11f" providerId="LiveId" clId="{525670F7-79B3-4993-BABF-6FBEA1534C04}" dt="2020-01-14T19:48:08.814" v="437" actId="20577"/>
+        <pc:sldMkLst>
+          <pc:docMk/>
+          <pc:sldMk cId="2174698295" sldId="257"/>
+        </pc:sldMkLst>
+        <pc:spChg chg="mod">
+          <ac:chgData name="Luuk de Kinderen" userId="bc3234e22335a11f" providerId="LiveId" clId="{525670F7-79B3-4993-BABF-6FBEA1534C04}" dt="2020-01-14T19:48:08.814" v="437" actId="20577"/>
+          <ac:spMkLst>
+            <pc:docMk/>
+            <pc:sldMk cId="2174698295" sldId="257"/>
+            <ac:spMk id="3" creationId="{87FF203D-75FD-49EA-9F55-E80B353E1782}"/>
+          </ac:spMkLst>
+        </pc:spChg>
+      </pc:sldChg>
+      <pc:sldChg chg="modSp modNotesTx">
+        <pc:chgData name="Luuk de Kinderen" userId="bc3234e22335a11f" providerId="LiveId" clId="{525670F7-79B3-4993-BABF-6FBEA1534C04}" dt="2020-01-14T19:53:47.313" v="519" actId="20577"/>
+        <pc:sldMkLst>
+          <pc:docMk/>
+          <pc:sldMk cId="2471835682" sldId="258"/>
+        </pc:sldMkLst>
+        <pc:spChg chg="mod">
+          <ac:chgData name="Luuk de Kinderen" userId="bc3234e22335a11f" providerId="LiveId" clId="{525670F7-79B3-4993-BABF-6FBEA1534C04}" dt="2020-01-14T19:53:47.313" v="519" actId="20577"/>
+          <ac:spMkLst>
+            <pc:docMk/>
+            <pc:sldMk cId="2471835682" sldId="258"/>
+            <ac:spMk id="3" creationId="{755703ED-9657-4BBC-9ABE-1652700A4DD8}"/>
+          </ac:spMkLst>
+        </pc:spChg>
+      </pc:sldChg>
+      <pc:sldChg chg="modNotesTx">
+        <pc:chgData name="Luuk de Kinderen" userId="bc3234e22335a11f" providerId="LiveId" clId="{525670F7-79B3-4993-BABF-6FBEA1534C04}" dt="2020-01-14T19:39:37.999" v="252" actId="20577"/>
+        <pc:sldMkLst>
+          <pc:docMk/>
+          <pc:sldMk cId="2635893270" sldId="260"/>
+        </pc:sldMkLst>
+      </pc:sldChg>
+      <pc:sldChg chg="modSp add">
+        <pc:chgData name="Luuk de Kinderen" userId="bc3234e22335a11f" providerId="LiveId" clId="{525670F7-79B3-4993-BABF-6FBEA1534C04}" dt="2020-01-14T19:52:08.694" v="513" actId="207"/>
+        <pc:sldMkLst>
+          <pc:docMk/>
+          <pc:sldMk cId="1529038120" sldId="262"/>
+        </pc:sldMkLst>
+        <pc:spChg chg="mod">
+          <ac:chgData name="Luuk de Kinderen" userId="bc3234e22335a11f" providerId="LiveId" clId="{525670F7-79B3-4993-BABF-6FBEA1534C04}" dt="2020-01-14T19:52:08.694" v="513" actId="207"/>
+          <ac:spMkLst>
+            <pc:docMk/>
+            <pc:sldMk cId="1529038120" sldId="262"/>
+            <ac:spMk id="2" creationId="{F3F12F0B-5463-4609-983A-948B1E3C1AB8}"/>
+          </ac:spMkLst>
+        </pc:spChg>
+        <pc:spChg chg="mod">
+          <ac:chgData name="Luuk de Kinderen" userId="bc3234e22335a11f" providerId="LiveId" clId="{525670F7-79B3-4993-BABF-6FBEA1534C04}" dt="2020-01-14T19:52:03.936" v="512" actId="20577"/>
+          <ac:spMkLst>
+            <pc:docMk/>
+            <pc:sldMk cId="1529038120" sldId="262"/>
+            <ac:spMk id="3" creationId="{E10415F6-5781-4A97-831B-4860D66295BC}"/>
+          </ac:spMkLst>
+        </pc:spChg>
+      </pc:sldChg>
+    </pc:docChg>
+  </pc:docChgLst>
+</pc:chgInfo>
+</file>
+
+<file path=ppt/notesMasters/notesMaster1.xml><?xml version="1.0" encoding="utf-8"?>
+<p:notesMaster xmlns:a="http://schemas.openxmlformats.org/drawingml/2006/main" xmlns:r="http://schemas.openxmlformats.org/officeDocument/2006/relationships" xmlns:p="http://schemas.openxmlformats.org/presentationml/2006/main">
+  <p:cSld>
+    <p:bg>
+      <p:bgRef idx="1001">
+        <a:schemeClr val="bg1"/>
+      </p:bgRef>
+    </p:bg>
+    <p:spTree>
+      <p:nvGrpSpPr>
+        <p:cNvPr id="1" name=""/>
+        <p:cNvGrpSpPr/>
+        <p:nvPr/>
+      </p:nvGrpSpPr>
+      <p:grpSpPr>
+        <a:xfrm>
+          <a:off x="0" y="0"/>
+          <a:ext cx="0" cy="0"/>
+          <a:chOff x="0" y="0"/>
+          <a:chExt cx="0" cy="0"/>
+        </a:xfrm>
+      </p:grpSpPr>
+      <p:sp>
+        <p:nvSpPr>
+          <p:cNvPr id="2" name="Tijdelijke aanduiding voor koptekst 1"/>
+          <p:cNvSpPr>
+            <a:spLocks noGrp="1"/>
+          </p:cNvSpPr>
+          <p:nvPr>
+            <p:ph type="hdr" sz="quarter"/>
+          </p:nvPr>
+        </p:nvSpPr>
+        <p:spPr>
+          <a:xfrm>
+            <a:off x="0" y="0"/>
+            <a:ext cx="2971800" cy="458788"/>
+          </a:xfrm>
+          <a:prstGeom prst="rect">
+            <a:avLst/>
+          </a:prstGeom>
+        </p:spPr>
+        <p:txBody>
+          <a:bodyPr vert="horz" lIns="91440" tIns="45720" rIns="91440" bIns="45720" rtlCol="0"/>
+          <a:lstStyle>
+            <a:lvl1pPr algn="l">
+              <a:defRPr sz="1200"/>
+            </a:lvl1pPr>
+          </a:lstStyle>
+          <a:p>
+            <a:endParaRPr lang="nl-NL"/>
+          </a:p>
+        </p:txBody>
+      </p:sp>
+      <p:sp>
+        <p:nvSpPr>
+          <p:cNvPr id="3" name="Tijdelijke aanduiding voor datum 2"/>
+          <p:cNvSpPr>
+            <a:spLocks noGrp="1"/>
+          </p:cNvSpPr>
+          <p:nvPr>
+            <p:ph type="dt" idx="1"/>
+          </p:nvPr>
+        </p:nvSpPr>
+        <p:spPr>
+          <a:xfrm>
+            <a:off x="3884613" y="0"/>
+            <a:ext cx="2971800" cy="458788"/>
+          </a:xfrm>
+          <a:prstGeom prst="rect">
+            <a:avLst/>
+          </a:prstGeom>
+        </p:spPr>
+        <p:txBody>
+          <a:bodyPr vert="horz" lIns="91440" tIns="45720" rIns="91440" bIns="45720" rtlCol="0"/>
+          <a:lstStyle>
+            <a:lvl1pPr algn="r">
+              <a:defRPr sz="1200"/>
+            </a:lvl1pPr>
+          </a:lstStyle>
+          <a:p>
+            <a:fld id="{AC3D84C1-979D-417B-9B99-79B0FF05DE54}" type="datetimeFigureOut">
+              <a:rPr lang="nl-NL" smtClean="0"/>
+              <a:t>14-1-2020</a:t>
+            </a:fld>
+            <a:endParaRPr lang="nl-NL"/>
+          </a:p>
+        </p:txBody>
+      </p:sp>
+      <p:sp>
+        <p:nvSpPr>
+          <p:cNvPr id="4" name="Tijdelijke aanduiding voor dia-afbeelding 3"/>
+          <p:cNvSpPr>
+            <a:spLocks noGrp="1" noRot="1" noChangeAspect="1"/>
+          </p:cNvSpPr>
+          <p:nvPr>
+            <p:ph type="sldImg" idx="2"/>
+          </p:nvPr>
+        </p:nvSpPr>
+        <p:spPr>
+          <a:xfrm>
+            <a:off x="685800" y="1143000"/>
+            <a:ext cx="5486400" cy="3086100"/>
+          </a:xfrm>
+          <a:prstGeom prst="rect">
+            <a:avLst/>
+          </a:prstGeom>
+          <a:noFill/>
+          <a:ln w="12700">
+            <a:solidFill>
+              <a:prstClr val="black"/>
+            </a:solidFill>
+          </a:ln>
+        </p:spPr>
+        <p:txBody>
+          <a:bodyPr vert="horz" lIns="91440" tIns="45720" rIns="91440" bIns="45720" rtlCol="0" anchor="ctr"/>
+          <a:lstStyle/>
+          <a:p>
+            <a:endParaRPr lang="nl-NL"/>
+          </a:p>
+        </p:txBody>
+      </p:sp>
+      <p:sp>
+        <p:nvSpPr>
+          <p:cNvPr id="5" name="Tijdelijke aanduiding voor notities 4"/>
+          <p:cNvSpPr>
+            <a:spLocks noGrp="1"/>
+          </p:cNvSpPr>
+          <p:nvPr>
+            <p:ph type="body" sz="quarter" idx="3"/>
+          </p:nvPr>
+        </p:nvSpPr>
+        <p:spPr>
+          <a:xfrm>
+            <a:off x="685800" y="4400550"/>
+            <a:ext cx="5486400" cy="3600450"/>
+          </a:xfrm>
+          <a:prstGeom prst="rect">
+            <a:avLst/>
+          </a:prstGeom>
+        </p:spPr>
+        <p:txBody>
+          <a:bodyPr vert="horz" lIns="91440" tIns="45720" rIns="91440" bIns="45720" rtlCol="0"/>
+          <a:lstStyle/>
+          <a:p>
+            <a:pPr lvl="0"/>
+            <a:r>
+              <a:rPr lang="nl-NL"/>
+              <a:t>Klikken om de tekststijl van het model te bewerken</a:t>
+            </a:r>
+          </a:p>
+          <a:p>
+            <a:pPr lvl="1"/>
+            <a:r>
+              <a:rPr lang="nl-NL"/>
+              <a:t>Tweede niveau</a:t>
+            </a:r>
+          </a:p>
+          <a:p>
+            <a:pPr lvl="2"/>
+            <a:r>
+              <a:rPr lang="nl-NL"/>
+              <a:t>Derde niveau</a:t>
+            </a:r>
+          </a:p>
+          <a:p>
+            <a:pPr lvl="3"/>
+            <a:r>
+              <a:rPr lang="nl-NL"/>
+              <a:t>Vierde niveau</a:t>
+            </a:r>
+          </a:p>
+          <a:p>
+            <a:pPr lvl="4"/>
+            <a:r>
+              <a:rPr lang="nl-NL"/>
+              <a:t>Vijfde niveau</a:t>
+            </a:r>
+          </a:p>
+        </p:txBody>
+      </p:sp>
+      <p:sp>
+        <p:nvSpPr>
+          <p:cNvPr id="6" name="Tijdelijke aanduiding voor voettekst 5"/>
+          <p:cNvSpPr>
+            <a:spLocks noGrp="1"/>
+          </p:cNvSpPr>
+          <p:nvPr>
+            <p:ph type="ftr" sz="quarter" idx="4"/>
+          </p:nvPr>
+        </p:nvSpPr>
+        <p:spPr>
+          <a:xfrm>
+            <a:off x="0" y="8685213"/>
+            <a:ext cx="2971800" cy="458787"/>
+          </a:xfrm>
+          <a:prstGeom prst="rect">
+            <a:avLst/>
+          </a:prstGeom>
+        </p:spPr>
+        <p:txBody>
+          <a:bodyPr vert="horz" lIns="91440" tIns="45720" rIns="91440" bIns="45720" rtlCol="0" anchor="b"/>
+          <a:lstStyle>
+            <a:lvl1pPr algn="l">
+              <a:defRPr sz="1200"/>
+            </a:lvl1pPr>
+          </a:lstStyle>
+          <a:p>
+            <a:endParaRPr lang="nl-NL"/>
+          </a:p>
+        </p:txBody>
+      </p:sp>
+      <p:sp>
+        <p:nvSpPr>
+          <p:cNvPr id="7" name="Tijdelijke aanduiding voor dianummer 6"/>
+          <p:cNvSpPr>
+            <a:spLocks noGrp="1"/>
+          </p:cNvSpPr>
+          <p:nvPr>
+            <p:ph type="sldNum" sz="quarter" idx="5"/>
+          </p:nvPr>
+        </p:nvSpPr>
+        <p:spPr>
+          <a:xfrm>
+            <a:off x="3884613" y="8685213"/>
+            <a:ext cx="2971800" cy="458787"/>
+          </a:xfrm>
+          <a:prstGeom prst="rect">
+            <a:avLst/>
+          </a:prstGeom>
+        </p:spPr>
+        <p:txBody>
+          <a:bodyPr vert="horz" lIns="91440" tIns="45720" rIns="91440" bIns="45720" rtlCol="0" anchor="b"/>
+          <a:lstStyle>
+            <a:lvl1pPr algn="r">
+              <a:defRPr sz="1200"/>
+            </a:lvl1pPr>
+          </a:lstStyle>
+          <a:p>
+            <a:fld id="{F332C240-DACE-4CE7-BE6A-481AEAC84B1C}" type="slidenum">
+              <a:rPr lang="nl-NL" smtClean="0"/>
+              <a:t>‹nr.›</a:t>
+            </a:fld>
+            <a:endParaRPr lang="nl-NL"/>
+          </a:p>
+        </p:txBody>
+      </p:sp>
+    </p:spTree>
+    <p:extLst>
+      <p:ext uri="{BB962C8B-B14F-4D97-AF65-F5344CB8AC3E}">
+        <p14:creationId xmlns:p14="http://schemas.microsoft.com/office/powerpoint/2010/main" val="2836391737"/>
+      </p:ext>
+    </p:extLst>
+  </p:cSld>
+  <p:clrMap bg1="lt1" tx1="dk1" bg2="lt2" tx2="dk2" accent1="accent1" accent2="accent2" accent3="accent3" accent4="accent4" accent5="accent5" accent6="accent6" hlink="hlink" folHlink="folHlink"/>
+  <p:notesStyle>
+    <a:lvl1pPr marL="0" algn="l" defTabSz="914400" rtl="0" eaLnBrk="1" latinLnBrk="0" hangingPunct="1">
+      <a:defRPr sz="1200" kern="1200">
+        <a:solidFill>
+          <a:schemeClr val="tx1"/>
+        </a:solidFill>
+        <a:latin typeface="+mn-lt"/>
+        <a:ea typeface="+mn-ea"/>
+        <a:cs typeface="+mn-cs"/>
+      </a:defRPr>
+    </a:lvl1pPr>
+    <a:lvl2pPr marL="457200" algn="l" defTabSz="914400" rtl="0" eaLnBrk="1" latinLnBrk="0" hangingPunct="1">
+      <a:defRPr sz="1200" kern="1200">
+        <a:solidFill>
+          <a:schemeClr val="tx1"/>
+        </a:solidFill>
+        <a:latin typeface="+mn-lt"/>
+        <a:ea typeface="+mn-ea"/>
+        <a:cs typeface="+mn-cs"/>
+      </a:defRPr>
+    </a:lvl2pPr>
+    <a:lvl3pPr marL="914400" algn="l" defTabSz="914400" rtl="0" eaLnBrk="1" latinLnBrk="0" hangingPunct="1">
+      <a:defRPr sz="1200" kern="1200">
+        <a:solidFill>
+          <a:schemeClr val="tx1"/>
+        </a:solidFill>
+        <a:latin typeface="+mn-lt"/>
+        <a:ea typeface="+mn-ea"/>
+        <a:cs typeface="+mn-cs"/>
+      </a:defRPr>
+    </a:lvl3pPr>
+    <a:lvl4pPr marL="1371600" algn="l" defTabSz="914400" rtl="0" eaLnBrk="1" latinLnBrk="0" hangingPunct="1">
+      <a:defRPr sz="1200" kern="1200">
+        <a:solidFill>
+          <a:schemeClr val="tx1"/>
+        </a:solidFill>
+        <a:latin typeface="+mn-lt"/>
+        <a:ea typeface="+mn-ea"/>
+        <a:cs typeface="+mn-cs"/>
+      </a:defRPr>
+    </a:lvl4pPr>
+    <a:lvl5pPr marL="1828800" algn="l" defTabSz="914400" rtl="0" eaLnBrk="1" latinLnBrk="0" hangingPunct="1">
+      <a:defRPr sz="1200" kern="1200">
+        <a:solidFill>
+          <a:schemeClr val="tx1"/>
+        </a:solidFill>
+        <a:latin typeface="+mn-lt"/>
+        <a:ea typeface="+mn-ea"/>
+        <a:cs typeface="+mn-cs"/>
+      </a:defRPr>
+    </a:lvl5pPr>
+    <a:lvl6pPr marL="2286000" algn="l" defTabSz="914400" rtl="0" eaLnBrk="1" latinLnBrk="0" hangingPunct="1">
+      <a:defRPr sz="1200" kern="1200">
+        <a:solidFill>
+          <a:schemeClr val="tx1"/>
+        </a:solidFill>
+        <a:latin typeface="+mn-lt"/>
+        <a:ea typeface="+mn-ea"/>
+        <a:cs typeface="+mn-cs"/>
+      </a:defRPr>
+    </a:lvl6pPr>
+    <a:lvl7pPr marL="2743200" algn="l" defTabSz="914400" rtl="0" eaLnBrk="1" latinLnBrk="0" hangingPunct="1">
+      <a:defRPr sz="1200" kern="1200">
+        <a:solidFill>
+          <a:schemeClr val="tx1"/>
+        </a:solidFill>
+        <a:latin typeface="+mn-lt"/>
+        <a:ea typeface="+mn-ea"/>
+        <a:cs typeface="+mn-cs"/>
+      </a:defRPr>
+    </a:lvl7pPr>
+    <a:lvl8pPr marL="3200400" algn="l" defTabSz="914400" rtl="0" eaLnBrk="1" latinLnBrk="0" hangingPunct="1">
+      <a:defRPr sz="1200" kern="1200">
+        <a:solidFill>
+          <a:schemeClr val="tx1"/>
+        </a:solidFill>
+        <a:latin typeface="+mn-lt"/>
+        <a:ea typeface="+mn-ea"/>
+        <a:cs typeface="+mn-cs"/>
+      </a:defRPr>
+    </a:lvl8pPr>
+    <a:lvl9pPr marL="3657600" algn="l" defTabSz="914400" rtl="0" eaLnBrk="1" latinLnBrk="0" hangingPunct="1">
+      <a:defRPr sz="1200" kern="1200">
+        <a:solidFill>
+          <a:schemeClr val="tx1"/>
+        </a:solidFill>
+        <a:latin typeface="+mn-lt"/>
+        <a:ea typeface="+mn-ea"/>
+        <a:cs typeface="+mn-cs"/>
+      </a:defRPr>
+    </a:lvl9pPr>
+  </p:notesStyle>
+</p:notesMaster>
+</file>
+
+<file path=ppt/notesSlides/notesSlide1.xml><?xml version="1.0" encoding="utf-8"?>
+<p:notes xmlns:a="http://schemas.openxmlformats.org/drawingml/2006/main" xmlns:r="http://schemas.openxmlformats.org/officeDocument/2006/relationships" xmlns:p="http://schemas.openxmlformats.org/presentationml/2006/main">
+  <p:cSld>
+    <p:spTree>
+      <p:nvGrpSpPr>
+        <p:cNvPr id="1" name=""/>
+        <p:cNvGrpSpPr/>
+        <p:nvPr/>
+      </p:nvGrpSpPr>
+      <p:grpSpPr>
+        <a:xfrm>
+          <a:off x="0" y="0"/>
+          <a:ext cx="0" cy="0"/>
+          <a:chOff x="0" y="0"/>
+          <a:chExt cx="0" cy="0"/>
+        </a:xfrm>
+      </p:grpSpPr>
+      <p:sp>
+        <p:nvSpPr>
+          <p:cNvPr id="2" name="Tijdelijke aanduiding voor dia-afbeelding 1"/>
+          <p:cNvSpPr>
+            <a:spLocks noGrp="1" noRot="1" noChangeAspect="1"/>
+          </p:cNvSpPr>
+          <p:nvPr>
+            <p:ph type="sldImg"/>
+          </p:nvPr>
+        </p:nvSpPr>
+        <p:spPr/>
+      </p:sp>
+      <p:sp>
+        <p:nvSpPr>
+          <p:cNvPr id="3" name="Tijdelijke aanduiding voor notities 2"/>
+          <p:cNvSpPr>
+            <a:spLocks noGrp="1"/>
+          </p:cNvSpPr>
+          <p:nvPr>
+            <p:ph type="body" idx="1"/>
+          </p:nvPr>
+        </p:nvSpPr>
+        <p:spPr/>
+        <p:txBody>
+          <a:bodyPr/>
+          <a:lstStyle/>
+          <a:p>
+            <a:r>
+              <a:rPr lang="nl-NL" dirty="0"/>
+              <a:t>representeer </a:t>
+            </a:r>
+            <a:r>
+              <a:rPr lang="nl-NL" dirty="0" err="1"/>
+              <a:t>FrowRail</a:t>
+            </a:r>
+            <a:endParaRPr lang="nl-NL" dirty="0"/>
+          </a:p>
+          <a:p>
+            <a:r>
+              <a:rPr lang="nl-NL" dirty="0"/>
+              <a:t>Ideeën </a:t>
+            </a:r>
+          </a:p>
+          <a:p>
+            <a:r>
+              <a:rPr lang="nl-NL" dirty="0"/>
+              <a:t>Waarom wij geloven in </a:t>
+            </a:r>
+            <a:r>
+              <a:rPr lang="nl-NL" dirty="0" err="1"/>
+              <a:t>FrowRail</a:t>
+            </a:r>
+            <a:endParaRPr lang="nl-NL" dirty="0"/>
+          </a:p>
+          <a:p>
+            <a:endParaRPr lang="nl-NL" dirty="0"/>
+          </a:p>
+          <a:p>
+            <a:endParaRPr lang="nl-NL" dirty="0"/>
+          </a:p>
+        </p:txBody>
+      </p:sp>
+      <p:sp>
+        <p:nvSpPr>
+          <p:cNvPr id="4" name="Tijdelijke aanduiding voor dianummer 3"/>
+          <p:cNvSpPr>
+            <a:spLocks noGrp="1"/>
+          </p:cNvSpPr>
+          <p:nvPr>
+            <p:ph type="sldNum" sz="quarter" idx="5"/>
+          </p:nvPr>
+        </p:nvSpPr>
+        <p:spPr/>
+        <p:txBody>
+          <a:bodyPr/>
+          <a:lstStyle/>
+          <a:p>
+            <a:fld id="{F332C240-DACE-4CE7-BE6A-481AEAC84B1C}" type="slidenum">
+              <a:rPr lang="nl-NL" smtClean="0"/>
+              <a:t>1</a:t>
+            </a:fld>
+            <a:endParaRPr lang="nl-NL"/>
+          </a:p>
+        </p:txBody>
+      </p:sp>
+    </p:spTree>
+    <p:extLst>
+      <p:ext uri="{BB962C8B-B14F-4D97-AF65-F5344CB8AC3E}">
+        <p14:creationId xmlns:p14="http://schemas.microsoft.com/office/powerpoint/2010/main" val="3102201038"/>
+      </p:ext>
+    </p:extLst>
+  </p:cSld>
+  <p:clrMapOvr>
+    <a:masterClrMapping/>
+  </p:clrMapOvr>
+</p:notes>
+</file>
+
+<file path=ppt/notesSlides/notesSlide2.xml><?xml version="1.0" encoding="utf-8"?>
+<p:notes xmlns:a="http://schemas.openxmlformats.org/drawingml/2006/main" xmlns:r="http://schemas.openxmlformats.org/officeDocument/2006/relationships" xmlns:p="http://schemas.openxmlformats.org/presentationml/2006/main">
+  <p:cSld>
+    <p:spTree>
+      <p:nvGrpSpPr>
+        <p:cNvPr id="1" name=""/>
+        <p:cNvGrpSpPr/>
+        <p:nvPr/>
+      </p:nvGrpSpPr>
+      <p:grpSpPr>
+        <a:xfrm>
+          <a:off x="0" y="0"/>
+          <a:ext cx="0" cy="0"/>
+          <a:chOff x="0" y="0"/>
+          <a:chExt cx="0" cy="0"/>
+        </a:xfrm>
+      </p:grpSpPr>
+      <p:sp>
+        <p:nvSpPr>
+          <p:cNvPr id="2" name="Tijdelijke aanduiding voor dia-afbeelding 1"/>
+          <p:cNvSpPr>
+            <a:spLocks noGrp="1" noRot="1" noChangeAspect="1"/>
+          </p:cNvSpPr>
+          <p:nvPr>
+            <p:ph type="sldImg"/>
+          </p:nvPr>
+        </p:nvSpPr>
+        <p:spPr/>
+      </p:sp>
+      <p:sp>
+        <p:nvSpPr>
+          <p:cNvPr id="3" name="Tijdelijke aanduiding voor notities 2"/>
+          <p:cNvSpPr>
+            <a:spLocks noGrp="1"/>
+          </p:cNvSpPr>
+          <p:nvPr>
+            <p:ph type="body" idx="1"/>
+          </p:nvPr>
+        </p:nvSpPr>
+        <p:spPr/>
+        <p:txBody>
+          <a:bodyPr/>
+          <a:lstStyle/>
+          <a:p>
+            <a:r>
+              <a:rPr lang="nl-NL" dirty="0"/>
+              <a:t>Misschien ken jij iemand?</a:t>
+            </a:r>
+          </a:p>
+          <a:p>
+            <a:endParaRPr lang="nl-NL" dirty="0"/>
+          </a:p>
+          <a:p>
+            <a:r>
+              <a:rPr lang="nl-NL" dirty="0"/>
+              <a:t>Spannen trein</a:t>
+            </a:r>
+          </a:p>
+          <a:p>
+            <a:endParaRPr lang="nl-NL" dirty="0"/>
+          </a:p>
+          <a:p>
+            <a:r>
+              <a:rPr lang="nl-NL" dirty="0"/>
+              <a:t>platform</a:t>
+            </a:r>
+          </a:p>
+          <a:p>
+            <a:endParaRPr lang="nl-NL" dirty="0"/>
+          </a:p>
+        </p:txBody>
+      </p:sp>
+      <p:sp>
+        <p:nvSpPr>
+          <p:cNvPr id="4" name="Tijdelijke aanduiding voor dianummer 3"/>
+          <p:cNvSpPr>
+            <a:spLocks noGrp="1"/>
+          </p:cNvSpPr>
+          <p:nvPr>
+            <p:ph type="sldNum" sz="quarter" idx="5"/>
+          </p:nvPr>
+        </p:nvSpPr>
+        <p:spPr/>
+        <p:txBody>
+          <a:bodyPr/>
+          <a:lstStyle/>
+          <a:p>
+            <a:fld id="{F332C240-DACE-4CE7-BE6A-481AEAC84B1C}" type="slidenum">
+              <a:rPr lang="nl-NL" smtClean="0"/>
+              <a:t>2</a:t>
+            </a:fld>
+            <a:endParaRPr lang="nl-NL"/>
+          </a:p>
+        </p:txBody>
+      </p:sp>
+    </p:spTree>
+    <p:extLst>
+      <p:ext uri="{BB962C8B-B14F-4D97-AF65-F5344CB8AC3E}">
+        <p14:creationId xmlns:p14="http://schemas.microsoft.com/office/powerpoint/2010/main" val="353664397"/>
+      </p:ext>
+    </p:extLst>
+  </p:cSld>
+  <p:clrMapOvr>
+    <a:masterClrMapping/>
+  </p:clrMapOvr>
+</p:notes>
+</file>
+
+<file path=ppt/notesSlides/notesSlide3.xml><?xml version="1.0" encoding="utf-8"?>
+<p:notes xmlns:a="http://schemas.openxmlformats.org/drawingml/2006/main" xmlns:r="http://schemas.openxmlformats.org/officeDocument/2006/relationships" xmlns:p="http://schemas.openxmlformats.org/presentationml/2006/main">
+  <p:cSld>
+    <p:spTree>
+      <p:nvGrpSpPr>
+        <p:cNvPr id="1" name=""/>
+        <p:cNvGrpSpPr/>
+        <p:nvPr/>
+      </p:nvGrpSpPr>
+      <p:grpSpPr>
+        <a:xfrm>
+          <a:off x="0" y="0"/>
+          <a:ext cx="0" cy="0"/>
+          <a:chOff x="0" y="0"/>
+          <a:chExt cx="0" cy="0"/>
+        </a:xfrm>
+      </p:grpSpPr>
+      <p:sp>
+        <p:nvSpPr>
+          <p:cNvPr id="2" name="Tijdelijke aanduiding voor dia-afbeelding 1"/>
+          <p:cNvSpPr>
+            <a:spLocks noGrp="1" noRot="1" noChangeAspect="1"/>
+          </p:cNvSpPr>
+          <p:nvPr>
+            <p:ph type="sldImg"/>
+          </p:nvPr>
+        </p:nvSpPr>
+        <p:spPr/>
+      </p:sp>
+      <p:sp>
+        <p:nvSpPr>
+          <p:cNvPr id="3" name="Tijdelijke aanduiding voor notities 2"/>
+          <p:cNvSpPr>
+            <a:spLocks noGrp="1"/>
+          </p:cNvSpPr>
+          <p:nvPr>
+            <p:ph type="body" idx="1"/>
+          </p:nvPr>
+        </p:nvSpPr>
+        <p:spPr/>
+        <p:txBody>
+          <a:bodyPr/>
+          <a:lstStyle/>
+          <a:p>
+            <a:pPr marL="171450" indent="-171450">
+              <a:buFontTx/>
+              <a:buChar char="-"/>
+            </a:pPr>
+            <a:r>
+              <a:rPr lang="nl-NL" dirty="0"/>
+              <a:t>Net als in het echt</a:t>
+            </a:r>
+          </a:p>
+          <a:p>
+            <a:pPr marL="171450" indent="-171450">
+              <a:buFontTx/>
+              <a:buChar char="-"/>
+            </a:pPr>
+            <a:r>
+              <a:rPr lang="nl-NL" dirty="0"/>
+              <a:t>Reisinformatie</a:t>
+            </a:r>
+          </a:p>
+          <a:p>
+            <a:pPr marL="171450" indent="-171450">
+              <a:buFontTx/>
+              <a:buChar char="-"/>
+            </a:pPr>
+            <a:r>
+              <a:rPr lang="nl-NL" dirty="0"/>
+              <a:t>Database</a:t>
+            </a:r>
+          </a:p>
+          <a:p>
+            <a:pPr marL="171450" indent="-171450">
+              <a:buFontTx/>
+              <a:buChar char="-"/>
+            </a:pPr>
+            <a:r>
+              <a:rPr lang="nl-NL" dirty="0" err="1"/>
+              <a:t>Ledstrip</a:t>
+            </a:r>
+            <a:endParaRPr lang="nl-NL" dirty="0"/>
+          </a:p>
+          <a:p>
+            <a:pPr marL="0" indent="0">
+              <a:buFontTx/>
+              <a:buNone/>
+            </a:pPr>
+            <a:endParaRPr lang="nl-NL" dirty="0"/>
+          </a:p>
+          <a:p>
+            <a:pPr marL="0" indent="0">
+              <a:buFontTx/>
+              <a:buNone/>
+            </a:pPr>
+            <a:r>
+              <a:rPr lang="nl-NL" dirty="0" err="1"/>
+              <a:t>Curus</a:t>
+            </a:r>
+            <a:endParaRPr lang="nl-NL" dirty="0"/>
+          </a:p>
+        </p:txBody>
+      </p:sp>
+      <p:sp>
+        <p:nvSpPr>
+          <p:cNvPr id="4" name="Tijdelijke aanduiding voor dianummer 3"/>
+          <p:cNvSpPr>
+            <a:spLocks noGrp="1"/>
+          </p:cNvSpPr>
+          <p:nvPr>
+            <p:ph type="sldNum" sz="quarter" idx="5"/>
+          </p:nvPr>
+        </p:nvSpPr>
+        <p:spPr/>
+        <p:txBody>
+          <a:bodyPr/>
+          <a:lstStyle/>
+          <a:p>
+            <a:fld id="{F332C240-DACE-4CE7-BE6A-481AEAC84B1C}" type="slidenum">
+              <a:rPr lang="nl-NL" smtClean="0"/>
+              <a:t>3</a:t>
+            </a:fld>
+            <a:endParaRPr lang="nl-NL"/>
+          </a:p>
+        </p:txBody>
+      </p:sp>
+    </p:spTree>
+    <p:extLst>
+      <p:ext uri="{BB962C8B-B14F-4D97-AF65-F5344CB8AC3E}">
+        <p14:creationId xmlns:p14="http://schemas.microsoft.com/office/powerpoint/2010/main" val="4045278771"/>
+      </p:ext>
+    </p:extLst>
+  </p:cSld>
+  <p:clrMapOvr>
+    <a:masterClrMapping/>
+  </p:clrMapOvr>
+</p:notes>
+</file>
+
+<file path=ppt/notesSlides/notesSlide4.xml><?xml version="1.0" encoding="utf-8"?>
+<p:notes xmlns:a="http://schemas.openxmlformats.org/drawingml/2006/main" xmlns:r="http://schemas.openxmlformats.org/officeDocument/2006/relationships" xmlns:p="http://schemas.openxmlformats.org/presentationml/2006/main">
+  <p:cSld>
+    <p:spTree>
+      <p:nvGrpSpPr>
+        <p:cNvPr id="1" name=""/>
+        <p:cNvGrpSpPr/>
+        <p:nvPr/>
+      </p:nvGrpSpPr>
+      <p:grpSpPr>
+        <a:xfrm>
+          <a:off x="0" y="0"/>
+          <a:ext cx="0" cy="0"/>
+          <a:chOff x="0" y="0"/>
+          <a:chExt cx="0" cy="0"/>
+        </a:xfrm>
+      </p:grpSpPr>
+      <p:sp>
+        <p:nvSpPr>
+          <p:cNvPr id="2" name="Tijdelijke aanduiding voor dia-afbeelding 1"/>
+          <p:cNvSpPr>
+            <a:spLocks noGrp="1" noRot="1" noChangeAspect="1"/>
+          </p:cNvSpPr>
+          <p:nvPr>
+            <p:ph type="sldImg"/>
+          </p:nvPr>
+        </p:nvSpPr>
+        <p:spPr/>
+      </p:sp>
+      <p:sp>
+        <p:nvSpPr>
+          <p:cNvPr id="3" name="Tijdelijke aanduiding voor notities 2"/>
+          <p:cNvSpPr>
+            <a:spLocks noGrp="1"/>
+          </p:cNvSpPr>
+          <p:nvPr>
+            <p:ph type="body" idx="1"/>
+          </p:nvPr>
+        </p:nvSpPr>
+        <p:spPr/>
+        <p:txBody>
+          <a:bodyPr/>
+          <a:lstStyle/>
+          <a:p>
+            <a:r>
+              <a:rPr lang="nl-NL" dirty="0"/>
+              <a:t>Hoe</a:t>
+            </a:r>
+          </a:p>
+          <a:p>
+            <a:r>
+              <a:rPr lang="nl-NL" dirty="0"/>
+              <a:t>Ervaren </a:t>
+            </a:r>
+          </a:p>
+          <a:p>
+            <a:r>
+              <a:rPr lang="nl-NL" dirty="0"/>
+              <a:t>Uitleggen realiseren</a:t>
+            </a:r>
+          </a:p>
+          <a:p>
+            <a:r>
+              <a:rPr lang="nl-NL" dirty="0"/>
+              <a:t>einde</a:t>
+            </a:r>
+          </a:p>
+        </p:txBody>
+      </p:sp>
+      <p:sp>
+        <p:nvSpPr>
+          <p:cNvPr id="4" name="Tijdelijke aanduiding voor dianummer 3"/>
+          <p:cNvSpPr>
+            <a:spLocks noGrp="1"/>
+          </p:cNvSpPr>
+          <p:nvPr>
+            <p:ph type="sldNum" sz="quarter" idx="5"/>
+          </p:nvPr>
+        </p:nvSpPr>
+        <p:spPr/>
+        <p:txBody>
+          <a:bodyPr/>
+          <a:lstStyle/>
+          <a:p>
+            <a:fld id="{F332C240-DACE-4CE7-BE6A-481AEAC84B1C}" type="slidenum">
+              <a:rPr lang="nl-NL" smtClean="0"/>
+              <a:t>4</a:t>
+            </a:fld>
+            <a:endParaRPr lang="nl-NL"/>
+          </a:p>
+        </p:txBody>
+      </p:sp>
+    </p:spTree>
+    <p:extLst>
+      <p:ext uri="{BB962C8B-B14F-4D97-AF65-F5344CB8AC3E}">
+        <p14:creationId xmlns:p14="http://schemas.microsoft.com/office/powerpoint/2010/main" val="3767720342"/>
+      </p:ext>
+    </p:extLst>
+  </p:cSld>
+  <p:clrMapOvr>
+    <a:masterClrMapping/>
+  </p:clrMapOvr>
+</p:notes>
+</file>
+
+<file path=ppt/notesSlides/notesSlide5.xml><?xml version="1.0" encoding="utf-8"?>
+<p:notes xmlns:a="http://schemas.openxmlformats.org/drawingml/2006/main" xmlns:r="http://schemas.openxmlformats.org/officeDocument/2006/relationships" xmlns:p="http://schemas.openxmlformats.org/presentationml/2006/main">
+  <p:cSld>
+    <p:spTree>
+      <p:nvGrpSpPr>
+        <p:cNvPr id="1" name=""/>
+        <p:cNvGrpSpPr/>
+        <p:nvPr/>
+      </p:nvGrpSpPr>
+      <p:grpSpPr>
+        <a:xfrm>
+          <a:off x="0" y="0"/>
+          <a:ext cx="0" cy="0"/>
+          <a:chOff x="0" y="0"/>
+          <a:chExt cx="0" cy="0"/>
+        </a:xfrm>
+      </p:grpSpPr>
+      <p:sp>
+        <p:nvSpPr>
+          <p:cNvPr id="2" name="Tijdelijke aanduiding voor dia-afbeelding 1"/>
+          <p:cNvSpPr>
+            <a:spLocks noGrp="1" noRot="1" noChangeAspect="1"/>
+          </p:cNvSpPr>
+          <p:nvPr>
+            <p:ph type="sldImg"/>
+          </p:nvPr>
+        </p:nvSpPr>
+        <p:spPr/>
+      </p:sp>
+      <p:sp>
+        <p:nvSpPr>
+          <p:cNvPr id="3" name="Tijdelijke aanduiding voor notities 2"/>
+          <p:cNvSpPr>
+            <a:spLocks noGrp="1"/>
+          </p:cNvSpPr>
+          <p:nvPr>
+            <p:ph type="body" idx="1"/>
+          </p:nvPr>
+        </p:nvSpPr>
+        <p:spPr/>
+        <p:txBody>
+          <a:bodyPr/>
+          <a:lstStyle/>
+          <a:p>
+            <a:endParaRPr lang="nl-NL" dirty="0"/>
+          </a:p>
+        </p:txBody>
+      </p:sp>
+      <p:sp>
+        <p:nvSpPr>
+          <p:cNvPr id="4" name="Tijdelijke aanduiding voor dianummer 3"/>
+          <p:cNvSpPr>
+            <a:spLocks noGrp="1"/>
+          </p:cNvSpPr>
+          <p:nvPr>
+            <p:ph type="sldNum" sz="quarter" idx="5"/>
+          </p:nvPr>
+        </p:nvSpPr>
+        <p:spPr/>
+        <p:txBody>
+          <a:bodyPr/>
+          <a:lstStyle/>
+          <a:p>
+            <a:fld id="{F332C240-DACE-4CE7-BE6A-481AEAC84B1C}" type="slidenum">
+              <a:rPr lang="nl-NL" smtClean="0"/>
+              <a:t>5</a:t>
+            </a:fld>
+            <a:endParaRPr lang="nl-NL"/>
+          </a:p>
+        </p:txBody>
+      </p:sp>
+    </p:spTree>
+    <p:extLst>
+      <p:ext uri="{BB962C8B-B14F-4D97-AF65-F5344CB8AC3E}">
+        <p14:creationId xmlns:p14="http://schemas.microsoft.com/office/powerpoint/2010/main" val="3173924501"/>
+      </p:ext>
+    </p:extLst>
+  </p:cSld>
+  <p:clrMapOvr>
+    <a:masterClrMapping/>
+  </p:clrMapOvr>
+</p:notes>
+</file>
+
 <file path=ppt/slideLayouts/slideLayout1.xml><?xml version="1.0" encoding="utf-8"?>
 <p:sldLayout xmlns:a="http://schemas.openxmlformats.org/drawingml/2006/main" xmlns:r="http://schemas.openxmlformats.org/officeDocument/2006/relationships" xmlns:p="http://schemas.openxmlformats.org/presentationml/2006/main" type="title" preserve="1">
   <p:cSld name="Titeldia">
@@ -264,7 +1257,7 @@
           <a:p>
             <a:fld id="{6379CBED-B46F-4D27-8798-01CE7A7A86A5}" type="datetimeFigureOut">
               <a:rPr lang="nl-NL" smtClean="0"/>
-              <a:t>13-1-2020</a:t>
+              <a:t>14-1-2020</a:t>
             </a:fld>
             <a:endParaRPr lang="nl-NL"/>
           </a:p>
@@ -462,7 +1455,7 @@
           <a:p>
             <a:fld id="{6379CBED-B46F-4D27-8798-01CE7A7A86A5}" type="datetimeFigureOut">
               <a:rPr lang="nl-NL" smtClean="0"/>
-              <a:t>13-1-2020</a:t>
+              <a:t>14-1-2020</a:t>
             </a:fld>
             <a:endParaRPr lang="nl-NL"/>
           </a:p>
@@ -670,7 +1663,7 @@
           <a:p>
             <a:fld id="{6379CBED-B46F-4D27-8798-01CE7A7A86A5}" type="datetimeFigureOut">
               <a:rPr lang="nl-NL" smtClean="0"/>
-              <a:t>13-1-2020</a:t>
+              <a:t>14-1-2020</a:t>
             </a:fld>
             <a:endParaRPr lang="nl-NL"/>
           </a:p>
@@ -868,7 +1861,7 @@
           <a:p>
             <a:fld id="{6379CBED-B46F-4D27-8798-01CE7A7A86A5}" type="datetimeFigureOut">
               <a:rPr lang="nl-NL" smtClean="0"/>
-              <a:t>13-1-2020</a:t>
+              <a:t>14-1-2020</a:t>
             </a:fld>
             <a:endParaRPr lang="nl-NL"/>
           </a:p>
@@ -1143,7 +2136,7 @@
           <a:p>
             <a:fld id="{6379CBED-B46F-4D27-8798-01CE7A7A86A5}" type="datetimeFigureOut">
               <a:rPr lang="nl-NL" smtClean="0"/>
-              <a:t>13-1-2020</a:t>
+              <a:t>14-1-2020</a:t>
             </a:fld>
             <a:endParaRPr lang="nl-NL"/>
           </a:p>
@@ -1408,7 +2401,7 @@
           <a:p>
             <a:fld id="{6379CBED-B46F-4D27-8798-01CE7A7A86A5}" type="datetimeFigureOut">
               <a:rPr lang="nl-NL" smtClean="0"/>
-              <a:t>13-1-2020</a:t>
+              <a:t>14-1-2020</a:t>
             </a:fld>
             <a:endParaRPr lang="nl-NL"/>
           </a:p>
@@ -1820,7 +2813,7 @@
           <a:p>
             <a:fld id="{6379CBED-B46F-4D27-8798-01CE7A7A86A5}" type="datetimeFigureOut">
               <a:rPr lang="nl-NL" smtClean="0"/>
-              <a:t>13-1-2020</a:t>
+              <a:t>14-1-2020</a:t>
             </a:fld>
             <a:endParaRPr lang="nl-NL"/>
           </a:p>
@@ -1961,7 +2954,7 @@
           <a:p>
             <a:fld id="{6379CBED-B46F-4D27-8798-01CE7A7A86A5}" type="datetimeFigureOut">
               <a:rPr lang="nl-NL" smtClean="0"/>
-              <a:t>13-1-2020</a:t>
+              <a:t>14-1-2020</a:t>
             </a:fld>
             <a:endParaRPr lang="nl-NL"/>
           </a:p>
@@ -2074,7 +3067,7 @@
           <a:p>
             <a:fld id="{6379CBED-B46F-4D27-8798-01CE7A7A86A5}" type="datetimeFigureOut">
               <a:rPr lang="nl-NL" smtClean="0"/>
-              <a:t>13-1-2020</a:t>
+              <a:t>14-1-2020</a:t>
             </a:fld>
             <a:endParaRPr lang="nl-NL"/>
           </a:p>
@@ -2385,7 +3378,7 @@
           <a:p>
             <a:fld id="{6379CBED-B46F-4D27-8798-01CE7A7A86A5}" type="datetimeFigureOut">
               <a:rPr lang="nl-NL" smtClean="0"/>
-              <a:t>13-1-2020</a:t>
+              <a:t>14-1-2020</a:t>
             </a:fld>
             <a:endParaRPr lang="nl-NL"/>
           </a:p>
@@ -2673,7 +3666,7 @@
           <a:p>
             <a:fld id="{6379CBED-B46F-4D27-8798-01CE7A7A86A5}" type="datetimeFigureOut">
               <a:rPr lang="nl-NL" smtClean="0"/>
-              <a:t>13-1-2020</a:t>
+              <a:t>14-1-2020</a:t>
             </a:fld>
             <a:endParaRPr lang="nl-NL"/>
           </a:p>
@@ -2914,7 +3907,7 @@
           <a:p>
             <a:fld id="{6379CBED-B46F-4D27-8798-01CE7A7A86A5}" type="datetimeFigureOut">
               <a:rPr lang="nl-NL" smtClean="0"/>
-              <a:t>13-1-2020</a:t>
+              <a:t>14-1-2020</a:t>
             </a:fld>
             <a:endParaRPr lang="nl-NL"/>
           </a:p>
@@ -3346,7 +4339,7 @@
           <p:nvPr/>
         </p:nvPicPr>
         <p:blipFill>
-          <a:blip r:embed="rId2">
+          <a:blip r:embed="rId3">
             <a:extLst>
               <a:ext uri="{28A0092B-C50C-407E-A947-70E740481C1C}">
                 <a14:useLocalDpi xmlns:a14="http://schemas.microsoft.com/office/drawing/2010/main" val="0"/>
@@ -3530,19 +4523,13 @@
           <a:p>
             <a:r>
               <a:rPr lang="nl-NL" sz="1800" dirty="0"/>
-              <a:t>Eerste keer</a:t>
+              <a:t>Trein reizen</a:t>
             </a:r>
           </a:p>
           <a:p>
             <a:r>
               <a:rPr lang="nl-NL" sz="1800" dirty="0"/>
-              <a:t>Trein reizen</a:t>
-            </a:r>
-          </a:p>
-          <a:p>
-            <a:r>
-              <a:rPr lang="nl-NL" sz="1800" dirty="0"/>
-              <a:t>Cursus</a:t>
+              <a:t>eerste keer</a:t>
             </a:r>
           </a:p>
         </p:txBody>
@@ -3562,7 +4549,7 @@
           <p:nvPr/>
         </p:nvPicPr>
         <p:blipFill rotWithShape="1">
-          <a:blip r:embed="rId2">
+          <a:blip r:embed="rId3">
             <a:extLst>
               <a:ext uri="{28A0092B-C50C-407E-A947-70E740481C1C}">
                 <a14:useLocalDpi xmlns:a14="http://schemas.microsoft.com/office/drawing/2010/main" val="0"/>
@@ -3735,7 +4722,7 @@
                   <a:srgbClr val="29ABE3"/>
                 </a:solidFill>
               </a:rPr>
-              <a:t>Wat is ons product</a:t>
+              <a:t>Wat kan ons product</a:t>
             </a:r>
           </a:p>
         </p:txBody>
@@ -3823,7 +4810,13 @@
           <a:p>
             <a:r>
               <a:rPr lang="nl-NL" sz="1800" dirty="0"/>
-              <a:t>NFC</a:t>
+              <a:t>In en uitchecken </a:t>
+            </a:r>
+          </a:p>
+          <a:p>
+            <a:r>
+              <a:rPr lang="nl-NL" sz="1800" dirty="0"/>
+              <a:t>Saldo onthouden</a:t>
             </a:r>
           </a:p>
           <a:p>
@@ -3835,13 +4828,7 @@
           <a:p>
             <a:r>
               <a:rPr lang="nl-NL" sz="1800" dirty="0"/>
-              <a:t>Database</a:t>
-            </a:r>
-          </a:p>
-          <a:p>
-            <a:r>
-              <a:rPr lang="nl-NL" sz="1800" dirty="0"/>
-              <a:t>Led strip</a:t>
+              <a:t>Trein visualisatie</a:t>
             </a:r>
           </a:p>
         </p:txBody>
@@ -3861,7 +4848,7 @@
           <p:nvPr/>
         </p:nvPicPr>
         <p:blipFill rotWithShape="1">
-          <a:blip r:embed="rId2">
+          <a:blip r:embed="rId3">
             <a:extLst>
               <a:ext uri="{28A0092B-C50C-407E-A947-70E740481C1C}">
                 <a14:useLocalDpi xmlns:a14="http://schemas.microsoft.com/office/drawing/2010/main" val="0"/>
@@ -3978,590 +4965,6 @@
 <file path=ppt/slides/slide4.xml><?xml version="1.0" encoding="utf-8"?>
 <p:sld xmlns:a="http://schemas.openxmlformats.org/drawingml/2006/main" xmlns:r="http://schemas.openxmlformats.org/officeDocument/2006/relationships" xmlns:p="http://schemas.openxmlformats.org/presentationml/2006/main">
   <p:cSld>
-    <p:spTree>
-      <p:nvGrpSpPr>
-        <p:cNvPr id="1" name=""/>
-        <p:cNvGrpSpPr/>
-        <p:nvPr/>
-      </p:nvGrpSpPr>
-      <p:grpSpPr>
-        <a:xfrm>
-          <a:off x="0" y="0"/>
-          <a:ext cx="0" cy="0"/>
-          <a:chOff x="0" y="0"/>
-          <a:chExt cx="0" cy="0"/>
-        </a:xfrm>
-      </p:grpSpPr>
-      <p:sp>
-        <p:nvSpPr>
-          <p:cNvPr id="2" name="Titel 1">
-            <a:extLst>
-              <a:ext uri="{FF2B5EF4-FFF2-40B4-BE49-F238E27FC236}">
-                <a16:creationId xmlns:a16="http://schemas.microsoft.com/office/drawing/2014/main" id="{09748725-4A68-4727-B7B4-BF06DEC63667}"/>
-              </a:ext>
-            </a:extLst>
-          </p:cNvPr>
-          <p:cNvSpPr>
-            <a:spLocks noGrp="1"/>
-          </p:cNvSpPr>
-          <p:nvPr>
-            <p:ph type="title"/>
-          </p:nvPr>
-        </p:nvSpPr>
-        <p:spPr/>
-        <p:txBody>
-          <a:bodyPr/>
-          <a:lstStyle/>
-          <a:p>
-            <a:r>
-              <a:rPr lang="nl-NL" dirty="0">
-                <a:solidFill>
-                  <a:srgbClr val="29ABE3"/>
-                </a:solidFill>
-              </a:rPr>
-              <a:t>Led strip</a:t>
-            </a:r>
-          </a:p>
-        </p:txBody>
-      </p:sp>
-      <p:sp>
-        <p:nvSpPr>
-          <p:cNvPr id="3" name="Tijdelijke aanduiding voor inhoud 2">
-            <a:extLst>
-              <a:ext uri="{FF2B5EF4-FFF2-40B4-BE49-F238E27FC236}">
-                <a16:creationId xmlns:a16="http://schemas.microsoft.com/office/drawing/2014/main" id="{56ABD184-0DB0-458D-A2AF-9249D149B0A7}"/>
-              </a:ext>
-            </a:extLst>
-          </p:cNvPr>
-          <p:cNvSpPr>
-            <a:spLocks noGrp="1"/>
-          </p:cNvSpPr>
-          <p:nvPr>
-            <p:ph idx="1"/>
-          </p:nvPr>
-        </p:nvSpPr>
-        <p:spPr/>
-        <p:txBody>
-          <a:bodyPr/>
-          <a:lstStyle/>
-          <a:p>
-            <a:pPr>
-              <a:lnSpc>
-                <a:spcPct val="150000"/>
-              </a:lnSpc>
-            </a:pPr>
-            <a:r>
-              <a:rPr lang="nl-NL" dirty="0"/>
-              <a:t>Trein</a:t>
-            </a:r>
-          </a:p>
-          <a:p>
-            <a:pPr>
-              <a:lnSpc>
-                <a:spcPct val="150000"/>
-              </a:lnSpc>
-            </a:pPr>
-            <a:r>
-              <a:rPr lang="nl-NL" dirty="0"/>
-              <a:t>Geen trein</a:t>
-            </a:r>
-          </a:p>
-          <a:p>
-            <a:pPr>
-              <a:lnSpc>
-                <a:spcPct val="150000"/>
-              </a:lnSpc>
-            </a:pPr>
-            <a:r>
-              <a:rPr lang="nl-NL" dirty="0"/>
-              <a:t>Twee treinen</a:t>
-            </a:r>
-          </a:p>
-          <a:p>
-            <a:pPr>
-              <a:lnSpc>
-                <a:spcPct val="150000"/>
-              </a:lnSpc>
-            </a:pPr>
-            <a:r>
-              <a:rPr lang="nl-NL" dirty="0"/>
-              <a:t>Beweging</a:t>
-            </a:r>
-          </a:p>
-        </p:txBody>
-      </p:sp>
-      <p:pic>
-        <p:nvPicPr>
-          <p:cNvPr id="4" name="Afbeelding 3">
-            <a:extLst>
-              <a:ext uri="{FF2B5EF4-FFF2-40B4-BE49-F238E27FC236}">
-                <a16:creationId xmlns:a16="http://schemas.microsoft.com/office/drawing/2014/main" id="{60245FA5-C645-4563-B95D-CCE3BF6FE4F6}"/>
-              </a:ext>
-            </a:extLst>
-          </p:cNvPr>
-          <p:cNvPicPr>
-            <a:picLocks noChangeAspect="1"/>
-          </p:cNvPicPr>
-          <p:nvPr/>
-        </p:nvPicPr>
-        <p:blipFill>
-          <a:blip r:embed="rId2"/>
-          <a:stretch>
-            <a:fillRect/>
-          </a:stretch>
-        </p:blipFill>
-        <p:spPr>
-          <a:xfrm>
-            <a:off x="3809999" y="1825625"/>
-            <a:ext cx="7543800" cy="503880"/>
-          </a:xfrm>
-          <a:prstGeom prst="rect">
-            <a:avLst/>
-          </a:prstGeom>
-        </p:spPr>
-      </p:pic>
-      <p:pic>
-        <p:nvPicPr>
-          <p:cNvPr id="5" name="Afbeelding 4">
-            <a:extLst>
-              <a:ext uri="{FF2B5EF4-FFF2-40B4-BE49-F238E27FC236}">
-                <a16:creationId xmlns:a16="http://schemas.microsoft.com/office/drawing/2014/main" id="{946719A6-5FF2-488D-950D-6EE420083E6E}"/>
-              </a:ext>
-            </a:extLst>
-          </p:cNvPr>
-          <p:cNvPicPr>
-            <a:picLocks noChangeAspect="1"/>
-          </p:cNvPicPr>
-          <p:nvPr/>
-        </p:nvPicPr>
-        <p:blipFill rotWithShape="1">
-          <a:blip r:embed="rId3"/>
-          <a:srcRect t="1" r="959" b="9668"/>
-          <a:stretch/>
-        </p:blipFill>
-        <p:spPr>
-          <a:xfrm>
-            <a:off x="3809998" y="2662972"/>
-            <a:ext cx="7543800" cy="520262"/>
-          </a:xfrm>
-          <a:prstGeom prst="rect">
-            <a:avLst/>
-          </a:prstGeom>
-        </p:spPr>
-      </p:pic>
-      <p:pic>
-        <p:nvPicPr>
-          <p:cNvPr id="6" name="Afbeelding 5">
-            <a:extLst>
-              <a:ext uri="{FF2B5EF4-FFF2-40B4-BE49-F238E27FC236}">
-                <a16:creationId xmlns:a16="http://schemas.microsoft.com/office/drawing/2014/main" id="{9D62E209-1FA0-49E0-B061-FFDA2E7621DA}"/>
-              </a:ext>
-            </a:extLst>
-          </p:cNvPr>
-          <p:cNvPicPr>
-            <a:picLocks noChangeAspect="1"/>
-          </p:cNvPicPr>
-          <p:nvPr/>
-        </p:nvPicPr>
-        <p:blipFill>
-          <a:blip r:embed="rId4"/>
-          <a:stretch>
-            <a:fillRect/>
-          </a:stretch>
-        </p:blipFill>
-        <p:spPr>
-          <a:xfrm>
-            <a:off x="3809997" y="3516701"/>
-            <a:ext cx="7543801" cy="520262"/>
-          </a:xfrm>
-          <a:prstGeom prst="rect">
-            <a:avLst/>
-          </a:prstGeom>
-        </p:spPr>
-      </p:pic>
-      <p:pic>
-        <p:nvPicPr>
-          <p:cNvPr id="7" name="Afbeelding 6">
-            <a:extLst>
-              <a:ext uri="{FF2B5EF4-FFF2-40B4-BE49-F238E27FC236}">
-                <a16:creationId xmlns:a16="http://schemas.microsoft.com/office/drawing/2014/main" id="{218CA88D-3110-4898-AC5B-110537682999}"/>
-              </a:ext>
-            </a:extLst>
-          </p:cNvPr>
-          <p:cNvPicPr>
-            <a:picLocks noChangeAspect="1"/>
-          </p:cNvPicPr>
-          <p:nvPr/>
-        </p:nvPicPr>
-        <p:blipFill>
-          <a:blip r:embed="rId5"/>
-          <a:stretch>
-            <a:fillRect/>
-          </a:stretch>
-        </p:blipFill>
-        <p:spPr>
-          <a:xfrm>
-            <a:off x="3809996" y="4375247"/>
-            <a:ext cx="7543801" cy="499063"/>
-          </a:xfrm>
-          <a:prstGeom prst="rect">
-            <a:avLst/>
-          </a:prstGeom>
-        </p:spPr>
-      </p:pic>
-    </p:spTree>
-    <p:extLst>
-      <p:ext uri="{BB962C8B-B14F-4D97-AF65-F5344CB8AC3E}">
-        <p14:creationId xmlns:p14="http://schemas.microsoft.com/office/powerpoint/2010/main" val="1123089429"/>
-      </p:ext>
-    </p:extLst>
-  </p:cSld>
-  <p:clrMapOvr>
-    <a:masterClrMapping/>
-  </p:clrMapOvr>
-  <p:timing>
-    <p:tnLst>
-      <p:par>
-        <p:cTn id="1" dur="indefinite" restart="never" nodeType="tmRoot">
-          <p:childTnLst>
-            <p:seq concurrent="1" nextAc="seek">
-              <p:cTn id="2" dur="indefinite" nodeType="mainSeq">
-                <p:childTnLst>
-                  <p:par>
-                    <p:cTn id="3" fill="hold">
-                      <p:stCondLst>
-                        <p:cond delay="indefinite"/>
-                        <p:cond evt="onBegin" delay="0">
-                          <p:tn val="2"/>
-                        </p:cond>
-                      </p:stCondLst>
-                      <p:childTnLst>
-                        <p:par>
-                          <p:cTn id="4" fill="hold">
-                            <p:stCondLst>
-                              <p:cond delay="0"/>
-                            </p:stCondLst>
-                            <p:childTnLst>
-                              <p:par>
-                                <p:cTn id="5" presetID="1" presetClass="entr" presetSubtype="0" fill="hold" nodeType="withEffect">
-                                  <p:stCondLst>
-                                    <p:cond delay="0"/>
-                                  </p:stCondLst>
-                                  <p:childTnLst>
-                                    <p:set>
-                                      <p:cBhvr>
-                                        <p:cTn id="6" dur="1" fill="hold">
-                                          <p:stCondLst>
-                                            <p:cond delay="0"/>
-                                          </p:stCondLst>
-                                        </p:cTn>
-                                        <p:tgtEl>
-                                          <p:spTgt spid="3">
-                                            <p:txEl>
-                                              <p:pRg st="0" end="0"/>
-                                            </p:txEl>
-                                          </p:spTgt>
-                                        </p:tgtEl>
-                                        <p:attrNameLst>
-                                          <p:attrName>style.visibility</p:attrName>
-                                        </p:attrNameLst>
-                                      </p:cBhvr>
-                                      <p:to>
-                                        <p:strVal val="visible"/>
-                                      </p:to>
-                                    </p:set>
-                                  </p:childTnLst>
-                                </p:cTn>
-                              </p:par>
-                              <p:par>
-                                <p:cTn id="7" presetID="1" presetClass="entr" presetSubtype="0" fill="hold" nodeType="withEffect">
-                                  <p:stCondLst>
-                                    <p:cond delay="0"/>
-                                  </p:stCondLst>
-                                  <p:childTnLst>
-                                    <p:set>
-                                      <p:cBhvr>
-                                        <p:cTn id="8" dur="1" fill="hold">
-                                          <p:stCondLst>
-                                            <p:cond delay="0"/>
-                                          </p:stCondLst>
-                                        </p:cTn>
-                                        <p:tgtEl>
-                                          <p:spTgt spid="4"/>
-                                        </p:tgtEl>
-                                        <p:attrNameLst>
-                                          <p:attrName>style.visibility</p:attrName>
-                                        </p:attrNameLst>
-                                      </p:cBhvr>
-                                      <p:to>
-                                        <p:strVal val="visible"/>
-                                      </p:to>
-                                    </p:set>
-                                  </p:childTnLst>
-                                </p:cTn>
-                              </p:par>
-                            </p:childTnLst>
-                          </p:cTn>
-                        </p:par>
-                      </p:childTnLst>
-                    </p:cTn>
-                  </p:par>
-                  <p:par>
-                    <p:cTn id="9" fill="hold">
-                      <p:stCondLst>
-                        <p:cond delay="indefinite"/>
-                      </p:stCondLst>
-                      <p:childTnLst>
-                        <p:par>
-                          <p:cTn id="10" fill="hold">
-                            <p:stCondLst>
-                              <p:cond delay="0"/>
-                            </p:stCondLst>
-                            <p:childTnLst>
-                              <p:par>
-                                <p:cTn id="11" presetID="1" presetClass="entr" presetSubtype="0" fill="hold" nodeType="clickEffect">
-                                  <p:stCondLst>
-                                    <p:cond delay="0"/>
-                                  </p:stCondLst>
-                                  <p:childTnLst>
-                                    <p:set>
-                                      <p:cBhvr>
-                                        <p:cTn id="12" dur="1" fill="hold">
-                                          <p:stCondLst>
-                                            <p:cond delay="0"/>
-                                          </p:stCondLst>
-                                        </p:cTn>
-                                        <p:tgtEl>
-                                          <p:spTgt spid="3">
-                                            <p:txEl>
-                                              <p:pRg st="1" end="1"/>
-                                            </p:txEl>
-                                          </p:spTgt>
-                                        </p:tgtEl>
-                                        <p:attrNameLst>
-                                          <p:attrName>style.visibility</p:attrName>
-                                        </p:attrNameLst>
-                                      </p:cBhvr>
-                                      <p:to>
-                                        <p:strVal val="visible"/>
-                                      </p:to>
-                                    </p:set>
-                                  </p:childTnLst>
-                                </p:cTn>
-                              </p:par>
-                              <p:par>
-                                <p:cTn id="13" presetID="1" presetClass="entr" presetSubtype="0" fill="hold" nodeType="withEffect">
-                                  <p:stCondLst>
-                                    <p:cond delay="0"/>
-                                  </p:stCondLst>
-                                  <p:childTnLst>
-                                    <p:set>
-                                      <p:cBhvr>
-                                        <p:cTn id="14" dur="1" fill="hold">
-                                          <p:stCondLst>
-                                            <p:cond delay="0"/>
-                                          </p:stCondLst>
-                                        </p:cTn>
-                                        <p:tgtEl>
-                                          <p:spTgt spid="5"/>
-                                        </p:tgtEl>
-                                        <p:attrNameLst>
-                                          <p:attrName>style.visibility</p:attrName>
-                                        </p:attrNameLst>
-                                      </p:cBhvr>
-                                      <p:to>
-                                        <p:strVal val="visible"/>
-                                      </p:to>
-                                    </p:set>
-                                  </p:childTnLst>
-                                </p:cTn>
-                              </p:par>
-                            </p:childTnLst>
-                          </p:cTn>
-                        </p:par>
-                      </p:childTnLst>
-                    </p:cTn>
-                  </p:par>
-                  <p:par>
-                    <p:cTn id="15" fill="hold">
-                      <p:stCondLst>
-                        <p:cond delay="indefinite"/>
-                      </p:stCondLst>
-                      <p:childTnLst>
-                        <p:par>
-                          <p:cTn id="16" fill="hold">
-                            <p:stCondLst>
-                              <p:cond delay="0"/>
-                            </p:stCondLst>
-                            <p:childTnLst>
-                              <p:par>
-                                <p:cTn id="17" presetID="1" presetClass="entr" presetSubtype="0" fill="hold" nodeType="clickEffect">
-                                  <p:stCondLst>
-                                    <p:cond delay="0"/>
-                                  </p:stCondLst>
-                                  <p:childTnLst>
-                                    <p:set>
-                                      <p:cBhvr>
-                                        <p:cTn id="18" dur="1" fill="hold">
-                                          <p:stCondLst>
-                                            <p:cond delay="0"/>
-                                          </p:stCondLst>
-                                        </p:cTn>
-                                        <p:tgtEl>
-                                          <p:spTgt spid="3">
-                                            <p:txEl>
-                                              <p:pRg st="2" end="2"/>
-                                            </p:txEl>
-                                          </p:spTgt>
-                                        </p:tgtEl>
-                                        <p:attrNameLst>
-                                          <p:attrName>style.visibility</p:attrName>
-                                        </p:attrNameLst>
-                                      </p:cBhvr>
-                                      <p:to>
-                                        <p:strVal val="visible"/>
-                                      </p:to>
-                                    </p:set>
-                                  </p:childTnLst>
-                                </p:cTn>
-                              </p:par>
-                              <p:par>
-                                <p:cTn id="19" presetID="1" presetClass="entr" presetSubtype="0" fill="hold" nodeType="withEffect">
-                                  <p:stCondLst>
-                                    <p:cond delay="0"/>
-                                  </p:stCondLst>
-                                  <p:childTnLst>
-                                    <p:set>
-                                      <p:cBhvr>
-                                        <p:cTn id="20" dur="1" fill="hold">
-                                          <p:stCondLst>
-                                            <p:cond delay="0"/>
-                                          </p:stCondLst>
-                                        </p:cTn>
-                                        <p:tgtEl>
-                                          <p:spTgt spid="6"/>
-                                        </p:tgtEl>
-                                        <p:attrNameLst>
-                                          <p:attrName>style.visibility</p:attrName>
-                                        </p:attrNameLst>
-                                      </p:cBhvr>
-                                      <p:to>
-                                        <p:strVal val="visible"/>
-                                      </p:to>
-                                    </p:set>
-                                  </p:childTnLst>
-                                </p:cTn>
-                              </p:par>
-                            </p:childTnLst>
-                          </p:cTn>
-                        </p:par>
-                      </p:childTnLst>
-                    </p:cTn>
-                  </p:par>
-                  <p:par>
-                    <p:cTn id="21" fill="hold">
-                      <p:stCondLst>
-                        <p:cond delay="indefinite"/>
-                      </p:stCondLst>
-                      <p:childTnLst>
-                        <p:par>
-                          <p:cTn id="22" fill="hold">
-                            <p:stCondLst>
-                              <p:cond delay="0"/>
-                            </p:stCondLst>
-                            <p:childTnLst>
-                              <p:par>
-                                <p:cTn id="23" presetID="1" presetClass="entr" presetSubtype="0" fill="hold" nodeType="clickEffect">
-                                  <p:stCondLst>
-                                    <p:cond delay="0"/>
-                                  </p:stCondLst>
-                                  <p:childTnLst>
-                                    <p:set>
-                                      <p:cBhvr>
-                                        <p:cTn id="24" dur="1" fill="hold">
-                                          <p:stCondLst>
-                                            <p:cond delay="0"/>
-                                          </p:stCondLst>
-                                        </p:cTn>
-                                        <p:tgtEl>
-                                          <p:spTgt spid="3">
-                                            <p:txEl>
-                                              <p:pRg st="3" end="3"/>
-                                            </p:txEl>
-                                          </p:spTgt>
-                                        </p:tgtEl>
-                                        <p:attrNameLst>
-                                          <p:attrName>style.visibility</p:attrName>
-                                        </p:attrNameLst>
-                                      </p:cBhvr>
-                                      <p:to>
-                                        <p:strVal val="visible"/>
-                                      </p:to>
-                                    </p:set>
-                                  </p:childTnLst>
-                                </p:cTn>
-                              </p:par>
-                              <p:par>
-                                <p:cTn id="25" presetID="1" presetClass="entr" presetSubtype="0" fill="hold" nodeType="withEffect">
-                                  <p:stCondLst>
-                                    <p:cond delay="0"/>
-                                  </p:stCondLst>
-                                  <p:childTnLst>
-                                    <p:set>
-                                      <p:cBhvr>
-                                        <p:cTn id="26" dur="1" fill="hold">
-                                          <p:stCondLst>
-                                            <p:cond delay="0"/>
-                                          </p:stCondLst>
-                                        </p:cTn>
-                                        <p:tgtEl>
-                                          <p:spTgt spid="7"/>
-                                        </p:tgtEl>
-                                        <p:attrNameLst>
-                                          <p:attrName>style.visibility</p:attrName>
-                                        </p:attrNameLst>
-                                      </p:cBhvr>
-                                      <p:to>
-                                        <p:strVal val="visible"/>
-                                      </p:to>
-                                    </p:set>
-                                  </p:childTnLst>
-                                </p:cTn>
-                              </p:par>
-                            </p:childTnLst>
-                          </p:cTn>
-                        </p:par>
-                      </p:childTnLst>
-                    </p:cTn>
-                  </p:par>
-                </p:childTnLst>
-              </p:cTn>
-              <p:prevCondLst>
-                <p:cond evt="onPrev" delay="0">
-                  <p:tgtEl>
-                    <p:sldTgt/>
-                  </p:tgtEl>
-                </p:cond>
-              </p:prevCondLst>
-              <p:nextCondLst>
-                <p:cond evt="onNext" delay="0">
-                  <p:tgtEl>
-                    <p:sldTgt/>
-                  </p:tgtEl>
-                </p:cond>
-              </p:nextCondLst>
-            </p:seq>
-          </p:childTnLst>
-        </p:cTn>
-      </p:par>
-    </p:tnLst>
-  </p:timing>
-</p:sld>
-</file>
-
-<file path=ppt/slides/slide5.xml><?xml version="1.0" encoding="utf-8"?>
-<p:sld xmlns:a="http://schemas.openxmlformats.org/drawingml/2006/main" xmlns:r="http://schemas.openxmlformats.org/officeDocument/2006/relationships" xmlns:p="http://schemas.openxmlformats.org/presentationml/2006/main">
-  <p:cSld>
     <p:bg>
       <p:bgPr>
         <a:solidFill>
@@ -4744,7 +5147,7 @@
           <p:nvPr/>
         </p:nvPicPr>
         <p:blipFill rotWithShape="1">
-          <a:blip r:embed="rId2"/>
+          <a:blip r:embed="rId3"/>
           <a:srcRect l="12093" r="5058"/>
           <a:stretch/>
         </p:blipFill>
@@ -4842,7 +5245,7 @@
 </p:sld>
 </file>
 
-<file path=ppt/slides/slide6.xml><?xml version="1.0" encoding="utf-8"?>
+<file path=ppt/slides/slide5.xml><?xml version="1.0" encoding="utf-8"?>
 <p:sld xmlns:a="http://schemas.openxmlformats.org/drawingml/2006/main" xmlns:r="http://schemas.openxmlformats.org/officeDocument/2006/relationships" xmlns:p="http://schemas.openxmlformats.org/presentationml/2006/main">
   <p:cSld>
     <p:bg>
@@ -5021,7 +5424,7 @@
           <p:nvPr/>
         </p:nvPicPr>
         <p:blipFill rotWithShape="1">
-          <a:blip r:embed="rId2">
+          <a:blip r:embed="rId3">
             <a:extLst>
               <a:ext uri="{28A0092B-C50C-407E-A947-70E740481C1C}">
                 <a14:useLocalDpi xmlns:a14="http://schemas.microsoft.com/office/drawing/2010/main" val="0"/>
@@ -5126,6 +5529,96 @@
     <p:extLst>
       <p:ext uri="{BB962C8B-B14F-4D97-AF65-F5344CB8AC3E}">
         <p14:creationId xmlns:p14="http://schemas.microsoft.com/office/powerpoint/2010/main" val="342490559"/>
+      </p:ext>
+    </p:extLst>
+  </p:cSld>
+  <p:clrMapOvr>
+    <a:masterClrMapping/>
+  </p:clrMapOvr>
+</p:sld>
+</file>
+
+<file path=ppt/slides/slide6.xml><?xml version="1.0" encoding="utf-8"?>
+<p:sld xmlns:a="http://schemas.openxmlformats.org/drawingml/2006/main" xmlns:r="http://schemas.openxmlformats.org/officeDocument/2006/relationships" xmlns:p="http://schemas.openxmlformats.org/presentationml/2006/main">
+  <p:cSld>
+    <p:spTree>
+      <p:nvGrpSpPr>
+        <p:cNvPr id="1" name=""/>
+        <p:cNvGrpSpPr/>
+        <p:nvPr/>
+      </p:nvGrpSpPr>
+      <p:grpSpPr>
+        <a:xfrm>
+          <a:off x="0" y="0"/>
+          <a:ext cx="0" cy="0"/>
+          <a:chOff x="0" y="0"/>
+          <a:chExt cx="0" cy="0"/>
+        </a:xfrm>
+      </p:grpSpPr>
+      <p:sp>
+        <p:nvSpPr>
+          <p:cNvPr id="2" name="Titel 1">
+            <a:extLst>
+              <a:ext uri="{FF2B5EF4-FFF2-40B4-BE49-F238E27FC236}">
+                <a16:creationId xmlns:a16="http://schemas.microsoft.com/office/drawing/2014/main" id="{F3F12F0B-5463-4609-983A-948B1E3C1AB8}"/>
+              </a:ext>
+            </a:extLst>
+          </p:cNvPr>
+          <p:cNvSpPr>
+            <a:spLocks noGrp="1"/>
+          </p:cNvSpPr>
+          <p:nvPr>
+            <p:ph type="title"/>
+          </p:nvPr>
+        </p:nvSpPr>
+        <p:spPr/>
+        <p:txBody>
+          <a:bodyPr/>
+          <a:lstStyle/>
+          <a:p>
+            <a:r>
+              <a:rPr lang="nl-NL" dirty="0">
+                <a:solidFill>
+                  <a:srgbClr val="29ABE3"/>
+                </a:solidFill>
+              </a:rPr>
+              <a:t>Interesse? </a:t>
+            </a:r>
+          </a:p>
+        </p:txBody>
+      </p:sp>
+      <p:sp>
+        <p:nvSpPr>
+          <p:cNvPr id="3" name="Tijdelijke aanduiding voor inhoud 2">
+            <a:extLst>
+              <a:ext uri="{FF2B5EF4-FFF2-40B4-BE49-F238E27FC236}">
+                <a16:creationId xmlns:a16="http://schemas.microsoft.com/office/drawing/2014/main" id="{E10415F6-5781-4A97-831B-4860D66295BC}"/>
+              </a:ext>
+            </a:extLst>
+          </p:cNvPr>
+          <p:cNvSpPr>
+            <a:spLocks noGrp="1"/>
+          </p:cNvSpPr>
+          <p:nvPr>
+            <p:ph idx="1"/>
+          </p:nvPr>
+        </p:nvSpPr>
+        <p:spPr/>
+        <p:txBody>
+          <a:bodyPr/>
+          <a:lstStyle/>
+          <a:p>
+            <a:r>
+              <a:rPr lang="nl-NL" dirty="0"/>
+              <a:t>Demo in lokaal 4.12 </a:t>
+            </a:r>
+          </a:p>
+        </p:txBody>
+      </p:sp>
+    </p:spTree>
+    <p:extLst>
+      <p:ext uri="{BB962C8B-B14F-4D97-AF65-F5344CB8AC3E}">
+        <p14:creationId xmlns:p14="http://schemas.microsoft.com/office/powerpoint/2010/main" val="1529038120"/>
       </p:ext>
     </p:extLst>
   </p:cSld>
@@ -5428,4 +5921,299 @@
     </a:ext>
   </a:extLst>
 </a:theme>
+</file>
+
+<file path=ppt/theme/theme2.xml><?xml version="1.0" encoding="utf-8"?>
+<a:theme xmlns:a="http://schemas.openxmlformats.org/drawingml/2006/main" name="Kantoorthema">
+  <a:themeElements>
+    <a:clrScheme name="Office">
+      <a:dk1>
+        <a:sysClr val="windowText" lastClr="000000"/>
+      </a:dk1>
+      <a:lt1>
+        <a:sysClr val="window" lastClr="FFFFFF"/>
+      </a:lt1>
+      <a:dk2>
+        <a:srgbClr val="44546A"/>
+      </a:dk2>
+      <a:lt2>
+        <a:srgbClr val="E7E6E6"/>
+      </a:lt2>
+      <a:accent1>
+        <a:srgbClr val="4472C4"/>
+      </a:accent1>
+      <a:accent2>
+        <a:srgbClr val="ED7D31"/>
+      </a:accent2>
+      <a:accent3>
+        <a:srgbClr val="A5A5A5"/>
+      </a:accent3>
+      <a:accent4>
+        <a:srgbClr val="FFC000"/>
+      </a:accent4>
+      <a:accent5>
+        <a:srgbClr val="5B9BD5"/>
+      </a:accent5>
+      <a:accent6>
+        <a:srgbClr val="70AD47"/>
+      </a:accent6>
+      <a:hlink>
+        <a:srgbClr val="0563C1"/>
+      </a:hlink>
+      <a:folHlink>
+        <a:srgbClr val="954F72"/>
+      </a:folHlink>
+    </a:clrScheme>
+    <a:fontScheme name="Office">
+      <a:majorFont>
+        <a:latin typeface="Calibri Light" panose="020F0302020204030204"/>
+        <a:ea typeface=""/>
+        <a:cs typeface=""/>
+        <a:font script="Jpan" typeface="游ゴシック Light"/>
+        <a:font script="Hang" typeface="맑은 고딕"/>
+        <a:font script="Hans" typeface="等线 Light"/>
+        <a:font script="Hant" typeface="新細明體"/>
+        <a:font script="Arab" typeface="Times New Roman"/>
+        <a:font script="Hebr" typeface="Times New Roman"/>
+        <a:font script="Thai" typeface="Angsana New"/>
+        <a:font script="Ethi" typeface="Nyala"/>
+        <a:font script="Beng" typeface="Vrinda"/>
+        <a:font script="Gujr" typeface="Shruti"/>
+        <a:font script="Khmr" typeface="MoolBoran"/>
+        <a:font script="Knda" typeface="Tunga"/>
+        <a:font script="Guru" typeface="Raavi"/>
+        <a:font script="Cans" typeface="Euphemia"/>
+        <a:font script="Cher" typeface="Plantagenet Cherokee"/>
+        <a:font script="Yiii" typeface="Microsoft Yi Baiti"/>
+        <a:font script="Tibt" typeface="Microsoft Himalaya"/>
+        <a:font script="Thaa" typeface="MV Boli"/>
+        <a:font script="Deva" typeface="Mangal"/>
+        <a:font script="Telu" typeface="Gautami"/>
+        <a:font script="Taml" typeface="Latha"/>
+        <a:font script="Syrc" typeface="Estrangelo Edessa"/>
+        <a:font script="Orya" typeface="Kalinga"/>
+        <a:font script="Mlym" typeface="Kartika"/>
+        <a:font script="Laoo" typeface="DokChampa"/>
+        <a:font script="Sinh" typeface="Iskoola Pota"/>
+        <a:font script="Mong" typeface="Mongolian Baiti"/>
+        <a:font script="Viet" typeface="Times New Roman"/>
+        <a:font script="Uigh" typeface="Microsoft Uighur"/>
+        <a:font script="Geor" typeface="Sylfaen"/>
+        <a:font script="Armn" typeface="Arial"/>
+        <a:font script="Bugi" typeface="Leelawadee UI"/>
+        <a:font script="Bopo" typeface="Microsoft JhengHei"/>
+        <a:font script="Java" typeface="Javanese Text"/>
+        <a:font script="Lisu" typeface="Segoe UI"/>
+        <a:font script="Mymr" typeface="Myanmar Text"/>
+        <a:font script="Nkoo" typeface="Ebrima"/>
+        <a:font script="Olck" typeface="Nirmala UI"/>
+        <a:font script="Osma" typeface="Ebrima"/>
+        <a:font script="Phag" typeface="Phagspa"/>
+        <a:font script="Syrn" typeface="Estrangelo Edessa"/>
+        <a:font script="Syrj" typeface="Estrangelo Edessa"/>
+        <a:font script="Syre" typeface="Estrangelo Edessa"/>
+        <a:font script="Sora" typeface="Nirmala UI"/>
+        <a:font script="Tale" typeface="Microsoft Tai Le"/>
+        <a:font script="Talu" typeface="Microsoft New Tai Lue"/>
+        <a:font script="Tfng" typeface="Ebrima"/>
+      </a:majorFont>
+      <a:minorFont>
+        <a:latin typeface="Calibri" panose="020F0502020204030204"/>
+        <a:ea typeface=""/>
+        <a:cs typeface=""/>
+        <a:font script="Jpan" typeface="游ゴシック"/>
+        <a:font script="Hang" typeface="맑은 고딕"/>
+        <a:font script="Hans" typeface="等线"/>
+        <a:font script="Hant" typeface="新細明體"/>
+        <a:font script="Arab" typeface="Arial"/>
+        <a:font script="Hebr" typeface="Arial"/>
+        <a:font script="Thai" typeface="Cordia New"/>
+        <a:font script="Ethi" typeface="Nyala"/>
+        <a:font script="Beng" typeface="Vrinda"/>
+        <a:font script="Gujr" typeface="Shruti"/>
+        <a:font script="Khmr" typeface="DaunPenh"/>
+        <a:font script="Knda" typeface="Tunga"/>
+        <a:font script="Guru" typeface="Raavi"/>
+        <a:font script="Cans" typeface="Euphemia"/>
+        <a:font script="Cher" typeface="Plantagenet Cherokee"/>
+        <a:font script="Yiii" typeface="Microsoft Yi Baiti"/>
+        <a:font script="Tibt" typeface="Microsoft Himalaya"/>
+        <a:font script="Thaa" typeface="MV Boli"/>
+        <a:font script="Deva" typeface="Mangal"/>
+        <a:font script="Telu" typeface="Gautami"/>
+        <a:font script="Taml" typeface="Latha"/>
+        <a:font script="Syrc" typeface="Estrangelo Edessa"/>
+        <a:font script="Orya" typeface="Kalinga"/>
+        <a:font script="Mlym" typeface="Kartika"/>
+        <a:font script="Laoo" typeface="DokChampa"/>
+        <a:font script="Sinh" typeface="Iskoola Pota"/>
+        <a:font script="Mong" typeface="Mongolian Baiti"/>
+        <a:font script="Viet" typeface="Arial"/>
+        <a:font script="Uigh" typeface="Microsoft Uighur"/>
+        <a:font script="Geor" typeface="Sylfaen"/>
+        <a:font script="Armn" typeface="Arial"/>
+        <a:font script="Bugi" typeface="Leelawadee UI"/>
+        <a:font script="Bopo" typeface="Microsoft JhengHei"/>
+        <a:font script="Java" typeface="Javanese Text"/>
+        <a:font script="Lisu" typeface="Segoe UI"/>
+        <a:font script="Mymr" typeface="Myanmar Text"/>
+        <a:font script="Nkoo" typeface="Ebrima"/>
+        <a:font script="Olck" typeface="Nirmala UI"/>
+        <a:font script="Osma" typeface="Ebrima"/>
+        <a:font script="Phag" typeface="Phagspa"/>
+        <a:font script="Syrn" typeface="Estrangelo Edessa"/>
+        <a:font script="Syrj" typeface="Estrangelo Edessa"/>
+        <a:font script="Syre" typeface="Estrangelo Edessa"/>
+        <a:font script="Sora" typeface="Nirmala UI"/>
+        <a:font script="Tale" typeface="Microsoft Tai Le"/>
+        <a:font script="Talu" typeface="Microsoft New Tai Lue"/>
+        <a:font script="Tfng" typeface="Ebrima"/>
+      </a:minorFont>
+    </a:fontScheme>
+    <a:fmtScheme name="Office">
+      <a:fillStyleLst>
+        <a:solidFill>
+          <a:schemeClr val="phClr"/>
+        </a:solidFill>
+        <a:gradFill rotWithShape="1">
+          <a:gsLst>
+            <a:gs pos="0">
+              <a:schemeClr val="phClr">
+                <a:lumMod val="110000"/>
+                <a:satMod val="105000"/>
+                <a:tint val="67000"/>
+              </a:schemeClr>
+            </a:gs>
+            <a:gs pos="50000">
+              <a:schemeClr val="phClr">
+                <a:lumMod val="105000"/>
+                <a:satMod val="103000"/>
+                <a:tint val="73000"/>
+              </a:schemeClr>
+            </a:gs>
+            <a:gs pos="100000">
+              <a:schemeClr val="phClr">
+                <a:lumMod val="105000"/>
+                <a:satMod val="109000"/>
+                <a:tint val="81000"/>
+              </a:schemeClr>
+            </a:gs>
+          </a:gsLst>
+          <a:lin ang="5400000" scaled="0"/>
+        </a:gradFill>
+        <a:gradFill rotWithShape="1">
+          <a:gsLst>
+            <a:gs pos="0">
+              <a:schemeClr val="phClr">
+                <a:satMod val="103000"/>
+                <a:lumMod val="102000"/>
+                <a:tint val="94000"/>
+              </a:schemeClr>
+            </a:gs>
+            <a:gs pos="50000">
+              <a:schemeClr val="phClr">
+                <a:satMod val="110000"/>
+                <a:lumMod val="100000"/>
+                <a:shade val="100000"/>
+              </a:schemeClr>
+            </a:gs>
+            <a:gs pos="100000">
+              <a:schemeClr val="phClr">
+                <a:lumMod val="99000"/>
+                <a:satMod val="120000"/>
+                <a:shade val="78000"/>
+              </a:schemeClr>
+            </a:gs>
+          </a:gsLst>
+          <a:lin ang="5400000" scaled="0"/>
+        </a:gradFill>
+      </a:fillStyleLst>
+      <a:lnStyleLst>
+        <a:ln w="6350" cap="flat" cmpd="sng" algn="ctr">
+          <a:solidFill>
+            <a:schemeClr val="phClr"/>
+          </a:solidFill>
+          <a:prstDash val="solid"/>
+          <a:miter lim="800000"/>
+        </a:ln>
+        <a:ln w="12700" cap="flat" cmpd="sng" algn="ctr">
+          <a:solidFill>
+            <a:schemeClr val="phClr"/>
+          </a:solidFill>
+          <a:prstDash val="solid"/>
+          <a:miter lim="800000"/>
+        </a:ln>
+        <a:ln w="19050" cap="flat" cmpd="sng" algn="ctr">
+          <a:solidFill>
+            <a:schemeClr val="phClr"/>
+          </a:solidFill>
+          <a:prstDash val="solid"/>
+          <a:miter lim="800000"/>
+        </a:ln>
+      </a:lnStyleLst>
+      <a:effectStyleLst>
+        <a:effectStyle>
+          <a:effectLst/>
+        </a:effectStyle>
+        <a:effectStyle>
+          <a:effectLst/>
+        </a:effectStyle>
+        <a:effectStyle>
+          <a:effectLst>
+            <a:outerShdw blurRad="57150" dist="19050" dir="5400000" algn="ctr" rotWithShape="0">
+              <a:srgbClr val="000000">
+                <a:alpha val="63000"/>
+              </a:srgbClr>
+            </a:outerShdw>
+          </a:effectLst>
+        </a:effectStyle>
+      </a:effectStyleLst>
+      <a:bgFillStyleLst>
+        <a:solidFill>
+          <a:schemeClr val="phClr"/>
+        </a:solidFill>
+        <a:solidFill>
+          <a:schemeClr val="phClr">
+            <a:tint val="95000"/>
+            <a:satMod val="170000"/>
+          </a:schemeClr>
+        </a:solidFill>
+        <a:gradFill rotWithShape="1">
+          <a:gsLst>
+            <a:gs pos="0">
+              <a:schemeClr val="phClr">
+                <a:tint val="93000"/>
+                <a:satMod val="150000"/>
+                <a:shade val="98000"/>
+                <a:lumMod val="102000"/>
+              </a:schemeClr>
+            </a:gs>
+            <a:gs pos="50000">
+              <a:schemeClr val="phClr">
+                <a:tint val="98000"/>
+                <a:satMod val="130000"/>
+                <a:shade val="90000"/>
+                <a:lumMod val="103000"/>
+              </a:schemeClr>
+            </a:gs>
+            <a:gs pos="100000">
+              <a:schemeClr val="phClr">
+                <a:shade val="63000"/>
+                <a:satMod val="120000"/>
+              </a:schemeClr>
+            </a:gs>
+          </a:gsLst>
+          <a:lin ang="5400000" scaled="0"/>
+        </a:gradFill>
+      </a:bgFillStyleLst>
+    </a:fmtScheme>
+  </a:themeElements>
+  <a:objectDefaults/>
+  <a:extraClrSchemeLst/>
+  <a:extLst>
+    <a:ext uri="{05A4C25C-085E-4340-85A3-A5531E510DB2}">
+      <thm15:themeFamily xmlns:thm15="http://schemas.microsoft.com/office/thememl/2012/main" name="Office Theme" id="{62F939B6-93AF-4DB8-9C6B-D6C7DFDC589F}" vid="{4A3C46E8-61CC-4603-A589-7422A47A8E4A}"/>
+    </a:ext>
+  </a:extLst>
+</a:theme>
 </file>
--- a/pitch.pptx
+++ b/pitch.pptx
@@ -133,7 +133,7 @@
   <pc:docChgLst>
     <pc:chgData name="Luuk de Kinderen" userId="bc3234e22335a11f" providerId="LiveId" clId="{525670F7-79B3-4993-BABF-6FBEA1534C04}"/>
     <pc:docChg chg="custSel addSld modSld">
-      <pc:chgData name="Luuk de Kinderen" userId="bc3234e22335a11f" providerId="LiveId" clId="{525670F7-79B3-4993-BABF-6FBEA1534C04}" dt="2020-01-14T19:53:47.313" v="519" actId="20577"/>
+      <pc:chgData name="Luuk de Kinderen" userId="bc3234e22335a11f" providerId="LiveId" clId="{525670F7-79B3-4993-BABF-6FBEA1534C04}" dt="2020-01-15T10:43:07.938" v="520" actId="20577"/>
       <pc:docMkLst>
         <pc:docMk/>
       </pc:docMkLst>
@@ -182,7 +182,7 @@
         </pc:sldMkLst>
       </pc:sldChg>
       <pc:sldChg chg="modSp add">
-        <pc:chgData name="Luuk de Kinderen" userId="bc3234e22335a11f" providerId="LiveId" clId="{525670F7-79B3-4993-BABF-6FBEA1534C04}" dt="2020-01-14T19:52:08.694" v="513" actId="207"/>
+        <pc:chgData name="Luuk de Kinderen" userId="bc3234e22335a11f" providerId="LiveId" clId="{525670F7-79B3-4993-BABF-6FBEA1534C04}" dt="2020-01-15T10:43:07.938" v="520" actId="20577"/>
         <pc:sldMkLst>
           <pc:docMk/>
           <pc:sldMk cId="1529038120" sldId="262"/>
@@ -196,7 +196,7 @@
           </ac:spMkLst>
         </pc:spChg>
         <pc:spChg chg="mod">
-          <ac:chgData name="Luuk de Kinderen" userId="bc3234e22335a11f" providerId="LiveId" clId="{525670F7-79B3-4993-BABF-6FBEA1534C04}" dt="2020-01-14T19:52:03.936" v="512" actId="20577"/>
+          <ac:chgData name="Luuk de Kinderen" userId="bc3234e22335a11f" providerId="LiveId" clId="{525670F7-79B3-4993-BABF-6FBEA1534C04}" dt="2020-01-15T10:43:07.938" v="520" actId="20577"/>
           <ac:spMkLst>
             <pc:docMk/>
             <pc:sldMk cId="1529038120" sldId="262"/>
@@ -291,7 +291,7 @@
           <a:p>
             <a:fld id="{AC3D84C1-979D-417B-9B99-79B0FF05DE54}" type="datetimeFigureOut">
               <a:rPr lang="nl-NL" smtClean="0"/>
-              <a:t>14-1-2020</a:t>
+              <a:t>15-1-2020</a:t>
             </a:fld>
             <a:endParaRPr lang="nl-NL"/>
           </a:p>
@@ -1257,7 +1257,7 @@
           <a:p>
             <a:fld id="{6379CBED-B46F-4D27-8798-01CE7A7A86A5}" type="datetimeFigureOut">
               <a:rPr lang="nl-NL" smtClean="0"/>
-              <a:t>14-1-2020</a:t>
+              <a:t>15-1-2020</a:t>
             </a:fld>
             <a:endParaRPr lang="nl-NL"/>
           </a:p>
@@ -1455,7 +1455,7 @@
           <a:p>
             <a:fld id="{6379CBED-B46F-4D27-8798-01CE7A7A86A5}" type="datetimeFigureOut">
               <a:rPr lang="nl-NL" smtClean="0"/>
-              <a:t>14-1-2020</a:t>
+              <a:t>15-1-2020</a:t>
             </a:fld>
             <a:endParaRPr lang="nl-NL"/>
           </a:p>
@@ -1663,7 +1663,7 @@
           <a:p>
             <a:fld id="{6379CBED-B46F-4D27-8798-01CE7A7A86A5}" type="datetimeFigureOut">
               <a:rPr lang="nl-NL" smtClean="0"/>
-              <a:t>14-1-2020</a:t>
+              <a:t>15-1-2020</a:t>
             </a:fld>
             <a:endParaRPr lang="nl-NL"/>
           </a:p>
@@ -1861,7 +1861,7 @@
           <a:p>
             <a:fld id="{6379CBED-B46F-4D27-8798-01CE7A7A86A5}" type="datetimeFigureOut">
               <a:rPr lang="nl-NL" smtClean="0"/>
-              <a:t>14-1-2020</a:t>
+              <a:t>15-1-2020</a:t>
             </a:fld>
             <a:endParaRPr lang="nl-NL"/>
           </a:p>
@@ -2136,7 +2136,7 @@
           <a:p>
             <a:fld id="{6379CBED-B46F-4D27-8798-01CE7A7A86A5}" type="datetimeFigureOut">
               <a:rPr lang="nl-NL" smtClean="0"/>
-              <a:t>14-1-2020</a:t>
+              <a:t>15-1-2020</a:t>
             </a:fld>
             <a:endParaRPr lang="nl-NL"/>
           </a:p>
@@ -2401,7 +2401,7 @@
           <a:p>
             <a:fld id="{6379CBED-B46F-4D27-8798-01CE7A7A86A5}" type="datetimeFigureOut">
               <a:rPr lang="nl-NL" smtClean="0"/>
-              <a:t>14-1-2020</a:t>
+              <a:t>15-1-2020</a:t>
             </a:fld>
             <a:endParaRPr lang="nl-NL"/>
           </a:p>
@@ -2813,7 +2813,7 @@
           <a:p>
             <a:fld id="{6379CBED-B46F-4D27-8798-01CE7A7A86A5}" type="datetimeFigureOut">
               <a:rPr lang="nl-NL" smtClean="0"/>
-              <a:t>14-1-2020</a:t>
+              <a:t>15-1-2020</a:t>
             </a:fld>
             <a:endParaRPr lang="nl-NL"/>
           </a:p>
@@ -2954,7 +2954,7 @@
           <a:p>
             <a:fld id="{6379CBED-B46F-4D27-8798-01CE7A7A86A5}" type="datetimeFigureOut">
               <a:rPr lang="nl-NL" smtClean="0"/>
-              <a:t>14-1-2020</a:t>
+              <a:t>15-1-2020</a:t>
             </a:fld>
             <a:endParaRPr lang="nl-NL"/>
           </a:p>
@@ -3067,7 +3067,7 @@
           <a:p>
             <a:fld id="{6379CBED-B46F-4D27-8798-01CE7A7A86A5}" type="datetimeFigureOut">
               <a:rPr lang="nl-NL" smtClean="0"/>
-              <a:t>14-1-2020</a:t>
+              <a:t>15-1-2020</a:t>
             </a:fld>
             <a:endParaRPr lang="nl-NL"/>
           </a:p>
@@ -3378,7 +3378,7 @@
           <a:p>
             <a:fld id="{6379CBED-B46F-4D27-8798-01CE7A7A86A5}" type="datetimeFigureOut">
               <a:rPr lang="nl-NL" smtClean="0"/>
-              <a:t>14-1-2020</a:t>
+              <a:t>15-1-2020</a:t>
             </a:fld>
             <a:endParaRPr lang="nl-NL"/>
           </a:p>
@@ -3666,7 +3666,7 @@
           <a:p>
             <a:fld id="{6379CBED-B46F-4D27-8798-01CE7A7A86A5}" type="datetimeFigureOut">
               <a:rPr lang="nl-NL" smtClean="0"/>
-              <a:t>14-1-2020</a:t>
+              <a:t>15-1-2020</a:t>
             </a:fld>
             <a:endParaRPr lang="nl-NL"/>
           </a:p>
@@ -3907,7 +3907,7 @@
           <a:p>
             <a:fld id="{6379CBED-B46F-4D27-8798-01CE7A7A86A5}" type="datetimeFigureOut">
               <a:rPr lang="nl-NL" smtClean="0"/>
-              <a:t>14-1-2020</a:t>
+              <a:t>15-1-2020</a:t>
             </a:fld>
             <a:endParaRPr lang="nl-NL"/>
           </a:p>
@@ -5610,7 +5610,7 @@
           <a:p>
             <a:r>
               <a:rPr lang="nl-NL" dirty="0"/>
-              <a:t>Demo in lokaal 4.12 </a:t>
+              <a:t>Demo in lokaal 4.102 </a:t>
             </a:r>
           </a:p>
         </p:txBody>
